--- a/Módulo 03/Back-End/aula01/apresentaçao power point LGPD/lgpd.pptx
+++ b/Módulo 03/Back-End/aula01/apresentaçao power point LGPD/lgpd.pptx
@@ -5,18 +5,23 @@
     <p:sldMasterId id="2147483648" r:id="rId1"/>
   </p:sldMasterIdLst>
   <p:notesMasterIdLst>
-    <p:notesMasterId r:id="rId11"/>
+    <p:notesMasterId r:id="rId16"/>
   </p:notesMasterIdLst>
   <p:sldIdLst>
     <p:sldId id="256" r:id="rId2"/>
-    <p:sldId id="262" r:id="rId3"/>
-    <p:sldId id="263" r:id="rId4"/>
-    <p:sldId id="264" r:id="rId5"/>
-    <p:sldId id="257" r:id="rId6"/>
-    <p:sldId id="258" r:id="rId7"/>
-    <p:sldId id="259" r:id="rId8"/>
-    <p:sldId id="260" r:id="rId9"/>
-    <p:sldId id="261" r:id="rId10"/>
+    <p:sldId id="265" r:id="rId3"/>
+    <p:sldId id="262" r:id="rId4"/>
+    <p:sldId id="263" r:id="rId5"/>
+    <p:sldId id="264" r:id="rId6"/>
+    <p:sldId id="266" r:id="rId7"/>
+    <p:sldId id="267" r:id="rId8"/>
+    <p:sldId id="268" r:id="rId9"/>
+    <p:sldId id="269" r:id="rId10"/>
+    <p:sldId id="259" r:id="rId11"/>
+    <p:sldId id="270" r:id="rId12"/>
+    <p:sldId id="260" r:id="rId13"/>
+    <p:sldId id="261" r:id="rId14"/>
+    <p:sldId id="271" r:id="rId15"/>
   </p:sldIdLst>
   <p:sldSz cx="12192000" cy="6858000"/>
   <p:notesSz cx="6858000" cy="9144000"/>
@@ -115,6 +120,11 @@
       </a:defRPr>
     </a:lvl9pPr>
   </p:defaultTextStyle>
+  <p:extLst>
+    <p:ext uri="{EFAFB233-063F-42B5-8137-9DF3F51BA10A}">
+      <p15:sldGuideLst xmlns:p15="http://schemas.microsoft.com/office/powerpoint/2012/main"/>
+    </p:ext>
+  </p:extLst>
 </p:presentation>
 </file>
 
@@ -601,7 +611,7 @@
           <a:noFill/>
           <a:extLst>
             <a:ext uri="{909E8E84-426E-40dd-AFC4-6F175D3DCCD1}">
-              <a14:hiddenFill xmlns:a14="http://schemas.microsoft.com/office/drawing/2010/main" xmlns="">
+              <a14:hiddenFill xmlns="" xmlns:a14="http://schemas.microsoft.com/office/drawing/2010/main">
                 <a:solidFill>
                   <a:srgbClr val="FFFFFF"/>
                 </a:solidFill>
@@ -661,7 +671,7 @@
             </a:ln>
             <a:extLst>
               <a:ext uri="{91240B29-F687-4f45-9708-019B960494DF}">
-                <a14:hiddenLine xmlns:a14="http://schemas.microsoft.com/office/drawing/2010/main" xmlns="" w="9525">
+                <a14:hiddenLine xmlns="" xmlns:a14="http://schemas.microsoft.com/office/drawing/2010/main" w="9525">
                   <a:solidFill>
                     <a:srgbClr val="000000"/>
                   </a:solidFill>
@@ -751,7 +761,7 @@
             </a:ln>
             <a:extLst>
               <a:ext uri="{91240B29-F687-4f45-9708-019B960494DF}">
-                <a14:hiddenLine xmlns:a14="http://schemas.microsoft.com/office/drawing/2010/main" xmlns="" w="9525">
+                <a14:hiddenLine xmlns="" xmlns:a14="http://schemas.microsoft.com/office/drawing/2010/main" w="9525">
                   <a:solidFill>
                     <a:srgbClr val="000000"/>
                   </a:solidFill>
@@ -841,7 +851,7 @@
             </a:ln>
             <a:extLst>
               <a:ext uri="{91240B29-F687-4f45-9708-019B960494DF}">
-                <a14:hiddenLine xmlns:a14="http://schemas.microsoft.com/office/drawing/2010/main" xmlns="" w="9525">
+                <a14:hiddenLine xmlns="" xmlns:a14="http://schemas.microsoft.com/office/drawing/2010/main" w="9525">
                   <a:solidFill>
                     <a:srgbClr val="000000"/>
                   </a:solidFill>
@@ -875,7 +885,7 @@
             </a:ln>
             <a:extLst>
               <a:ext uri="{91240B29-F687-4f45-9708-019B960494DF}">
-                <a14:hiddenLine xmlns:a14="http://schemas.microsoft.com/office/drawing/2010/main" xmlns="" w="9525">
+                <a14:hiddenLine xmlns="" xmlns:a14="http://schemas.microsoft.com/office/drawing/2010/main" w="9525">
                   <a:solidFill>
                     <a:srgbClr val="000000"/>
                   </a:solidFill>
@@ -965,7 +975,7 @@
             </a:ln>
             <a:extLst>
               <a:ext uri="{91240B29-F687-4f45-9708-019B960494DF}">
-                <a14:hiddenLine xmlns:a14="http://schemas.microsoft.com/office/drawing/2010/main" xmlns="" w="9525">
+                <a14:hiddenLine xmlns="" xmlns:a14="http://schemas.microsoft.com/office/drawing/2010/main" w="9525">
                   <a:solidFill>
                     <a:srgbClr val="000000"/>
                   </a:solidFill>
@@ -1027,7 +1037,7 @@
             </a:ln>
             <a:extLst>
               <a:ext uri="{91240B29-F687-4f45-9708-019B960494DF}">
-                <a14:hiddenLine xmlns:a14="http://schemas.microsoft.com/office/drawing/2010/main" xmlns="" w="9525">
+                <a14:hiddenLine xmlns="" xmlns:a14="http://schemas.microsoft.com/office/drawing/2010/main" w="9525">
                   <a:solidFill>
                     <a:srgbClr val="000000"/>
                   </a:solidFill>
@@ -1089,7 +1099,7 @@
             </a:ln>
             <a:extLst>
               <a:ext uri="{91240B29-F687-4f45-9708-019B960494DF}">
-                <a14:hiddenLine xmlns:a14="http://schemas.microsoft.com/office/drawing/2010/main" xmlns="" w="9525">
+                <a14:hiddenLine xmlns="" xmlns:a14="http://schemas.microsoft.com/office/drawing/2010/main" w="9525">
                   <a:solidFill>
                     <a:srgbClr val="000000"/>
                   </a:solidFill>
@@ -1179,7 +1189,7 @@
             </a:ln>
             <a:extLst>
               <a:ext uri="{91240B29-F687-4f45-9708-019B960494DF}">
-                <a14:hiddenLine xmlns:a14="http://schemas.microsoft.com/office/drawing/2010/main" xmlns="" w="9525">
+                <a14:hiddenLine xmlns="" xmlns:a14="http://schemas.microsoft.com/office/drawing/2010/main" w="9525">
                   <a:solidFill>
                     <a:srgbClr val="000000"/>
                   </a:solidFill>
@@ -1241,7 +1251,7 @@
             </a:ln>
             <a:extLst>
               <a:ext uri="{91240B29-F687-4f45-9708-019B960494DF}">
-                <a14:hiddenLine xmlns:a14="http://schemas.microsoft.com/office/drawing/2010/main" xmlns="" w="9525">
+                <a14:hiddenLine xmlns="" xmlns:a14="http://schemas.microsoft.com/office/drawing/2010/main" w="9525">
                   <a:solidFill>
                     <a:srgbClr val="000000"/>
                   </a:solidFill>
@@ -1303,7 +1313,7 @@
             </a:ln>
             <a:extLst>
               <a:ext uri="{91240B29-F687-4f45-9708-019B960494DF}">
-                <a14:hiddenLine xmlns:a14="http://schemas.microsoft.com/office/drawing/2010/main" xmlns="" w="9525">
+                <a14:hiddenLine xmlns="" xmlns:a14="http://schemas.microsoft.com/office/drawing/2010/main" w="9525">
                   <a:solidFill>
                     <a:srgbClr val="000000"/>
                   </a:solidFill>
@@ -1393,7 +1403,7 @@
             </a:ln>
             <a:extLst>
               <a:ext uri="{91240B29-F687-4f45-9708-019B960494DF}">
-                <a14:hiddenLine xmlns:a14="http://schemas.microsoft.com/office/drawing/2010/main" xmlns="" w="9525">
+                <a14:hiddenLine xmlns="" xmlns:a14="http://schemas.microsoft.com/office/drawing/2010/main" w="9525">
                   <a:solidFill>
                     <a:srgbClr val="000000"/>
                   </a:solidFill>
@@ -1483,7 +1493,7 @@
             </a:ln>
             <a:extLst>
               <a:ext uri="{91240B29-F687-4f45-9708-019B960494DF}">
-                <a14:hiddenLine xmlns:a14="http://schemas.microsoft.com/office/drawing/2010/main" xmlns="" w="9525">
+                <a14:hiddenLine xmlns="" xmlns:a14="http://schemas.microsoft.com/office/drawing/2010/main" w="9525">
                   <a:solidFill>
                     <a:srgbClr val="000000"/>
                   </a:solidFill>
@@ -1545,7 +1555,7 @@
             </a:ln>
             <a:extLst>
               <a:ext uri="{91240B29-F687-4f45-9708-019B960494DF}">
-                <a14:hiddenLine xmlns:a14="http://schemas.microsoft.com/office/drawing/2010/main" xmlns="" w="9525">
+                <a14:hiddenLine xmlns="" xmlns:a14="http://schemas.microsoft.com/office/drawing/2010/main" w="9525">
                   <a:solidFill>
                     <a:srgbClr val="000000"/>
                   </a:solidFill>
@@ -1655,7 +1665,7 @@
             </a:ln>
             <a:extLst>
               <a:ext uri="{91240B29-F687-4f45-9708-019B960494DF}">
-                <a14:hiddenLine xmlns:a14="http://schemas.microsoft.com/office/drawing/2010/main" xmlns="" w="9525">
+                <a14:hiddenLine xmlns="" xmlns:a14="http://schemas.microsoft.com/office/drawing/2010/main" w="9525">
                   <a:solidFill>
                     <a:srgbClr val="000000"/>
                   </a:solidFill>
@@ -1717,7 +1727,7 @@
             </a:ln>
             <a:extLst>
               <a:ext uri="{91240B29-F687-4f45-9708-019B960494DF}">
-                <a14:hiddenLine xmlns:a14="http://schemas.microsoft.com/office/drawing/2010/main" xmlns="" w="9525">
+                <a14:hiddenLine xmlns="" xmlns:a14="http://schemas.microsoft.com/office/drawing/2010/main" w="9525">
                   <a:solidFill>
                     <a:srgbClr val="000000"/>
                   </a:solidFill>
@@ -1807,7 +1817,7 @@
             </a:ln>
             <a:extLst>
               <a:ext uri="{91240B29-F687-4f45-9708-019B960494DF}">
-                <a14:hiddenLine xmlns:a14="http://schemas.microsoft.com/office/drawing/2010/main" xmlns="" w="9525">
+                <a14:hiddenLine xmlns="" xmlns:a14="http://schemas.microsoft.com/office/drawing/2010/main" w="9525">
                   <a:solidFill>
                     <a:srgbClr val="000000"/>
                   </a:solidFill>
@@ -1897,7 +1907,7 @@
             </a:ln>
             <a:extLst>
               <a:ext uri="{91240B29-F687-4f45-9708-019B960494DF}">
-                <a14:hiddenLine xmlns:a14="http://schemas.microsoft.com/office/drawing/2010/main" xmlns="" w="9525">
+                <a14:hiddenLine xmlns="" xmlns:a14="http://schemas.microsoft.com/office/drawing/2010/main" w="9525">
                   <a:solidFill>
                     <a:srgbClr val="000000"/>
                   </a:solidFill>
@@ -1959,7 +1969,7 @@
             </a:ln>
             <a:extLst>
               <a:ext uri="{91240B29-F687-4f45-9708-019B960494DF}">
-                <a14:hiddenLine xmlns:a14="http://schemas.microsoft.com/office/drawing/2010/main" xmlns="" w="9525">
+                <a14:hiddenLine xmlns="" xmlns:a14="http://schemas.microsoft.com/office/drawing/2010/main" w="9525">
                   <a:solidFill>
                     <a:srgbClr val="000000"/>
                   </a:solidFill>
@@ -2049,7 +2059,7 @@
             </a:ln>
             <a:extLst>
               <a:ext uri="{91240B29-F687-4f45-9708-019B960494DF}">
-                <a14:hiddenLine xmlns:a14="http://schemas.microsoft.com/office/drawing/2010/main" xmlns="" w="9525">
+                <a14:hiddenLine xmlns="" xmlns:a14="http://schemas.microsoft.com/office/drawing/2010/main" w="9525">
                   <a:solidFill>
                     <a:srgbClr val="000000"/>
                   </a:solidFill>
@@ -2139,7 +2149,7 @@
             </a:ln>
             <a:extLst>
               <a:ext uri="{91240B29-F687-4f45-9708-019B960494DF}">
-                <a14:hiddenLine xmlns:a14="http://schemas.microsoft.com/office/drawing/2010/main" xmlns="" w="9525">
+                <a14:hiddenLine xmlns="" xmlns:a14="http://schemas.microsoft.com/office/drawing/2010/main" w="9525">
                   <a:solidFill>
                     <a:srgbClr val="000000"/>
                   </a:solidFill>
@@ -2195,7 +2205,7 @@
             </a:ln>
             <a:extLst>
               <a:ext uri="{91240B29-F687-4f45-9708-019B960494DF}">
-                <a14:hiddenLine xmlns:a14="http://schemas.microsoft.com/office/drawing/2010/main" xmlns="" w="9525">
+                <a14:hiddenLine xmlns="" xmlns:a14="http://schemas.microsoft.com/office/drawing/2010/main" w="9525">
                   <a:solidFill>
                     <a:srgbClr val="000000"/>
                   </a:solidFill>
@@ -2285,7 +2295,7 @@
             </a:ln>
             <a:extLst>
               <a:ext uri="{91240B29-F687-4f45-9708-019B960494DF}">
-                <a14:hiddenLine xmlns:a14="http://schemas.microsoft.com/office/drawing/2010/main" xmlns="" w="9525">
+                <a14:hiddenLine xmlns="" xmlns:a14="http://schemas.microsoft.com/office/drawing/2010/main" w="9525">
                   <a:solidFill>
                     <a:srgbClr val="000000"/>
                   </a:solidFill>
@@ -2341,7 +2351,7 @@
             </a:ln>
             <a:extLst>
               <a:ext uri="{91240B29-F687-4f45-9708-019B960494DF}">
-                <a14:hiddenLine xmlns:a14="http://schemas.microsoft.com/office/drawing/2010/main" xmlns="" w="9525">
+                <a14:hiddenLine xmlns="" xmlns:a14="http://schemas.microsoft.com/office/drawing/2010/main" w="9525">
                   <a:solidFill>
                     <a:srgbClr val="000000"/>
                   </a:solidFill>
@@ -2431,7 +2441,7 @@
             </a:ln>
             <a:extLst>
               <a:ext uri="{91240B29-F687-4f45-9708-019B960494DF}">
-                <a14:hiddenLine xmlns:a14="http://schemas.microsoft.com/office/drawing/2010/main" xmlns="" w="9525">
+                <a14:hiddenLine xmlns="" xmlns:a14="http://schemas.microsoft.com/office/drawing/2010/main" w="9525">
                   <a:solidFill>
                     <a:srgbClr val="000000"/>
                   </a:solidFill>
@@ -2499,7 +2509,7 @@
             </a:ln>
             <a:extLst>
               <a:ext uri="{91240B29-F687-4f45-9708-019B960494DF}">
-                <a14:hiddenLine xmlns:a14="http://schemas.microsoft.com/office/drawing/2010/main" xmlns="" w="9525">
+                <a14:hiddenLine xmlns="" xmlns:a14="http://schemas.microsoft.com/office/drawing/2010/main" w="9525">
                   <a:solidFill>
                     <a:srgbClr val="000000"/>
                   </a:solidFill>
@@ -2589,7 +2599,7 @@
             </a:ln>
             <a:extLst>
               <a:ext uri="{91240B29-F687-4f45-9708-019B960494DF}">
-                <a14:hiddenLine xmlns:a14="http://schemas.microsoft.com/office/drawing/2010/main" xmlns="" w="9525">
+                <a14:hiddenLine xmlns="" xmlns:a14="http://schemas.microsoft.com/office/drawing/2010/main" w="9525">
                   <a:solidFill>
                     <a:srgbClr val="000000"/>
                   </a:solidFill>
@@ -2657,7 +2667,7 @@
             </a:ln>
             <a:extLst>
               <a:ext uri="{91240B29-F687-4f45-9708-019B960494DF}">
-                <a14:hiddenLine xmlns:a14="http://schemas.microsoft.com/office/drawing/2010/main" xmlns="" w="9525">
+                <a14:hiddenLine xmlns="" xmlns:a14="http://schemas.microsoft.com/office/drawing/2010/main" w="9525">
                   <a:solidFill>
                     <a:srgbClr val="000000"/>
                   </a:solidFill>
@@ -2747,7 +2757,7 @@
             </a:ln>
             <a:extLst>
               <a:ext uri="{91240B29-F687-4f45-9708-019B960494DF}">
-                <a14:hiddenLine xmlns:a14="http://schemas.microsoft.com/office/drawing/2010/main" xmlns="" w="9525">
+                <a14:hiddenLine xmlns="" xmlns:a14="http://schemas.microsoft.com/office/drawing/2010/main" w="9525">
                   <a:solidFill>
                     <a:srgbClr val="000000"/>
                   </a:solidFill>
@@ -2781,7 +2791,7 @@
             </a:ln>
             <a:extLst>
               <a:ext uri="{91240B29-F687-4f45-9708-019B960494DF}">
-                <a14:hiddenLine xmlns:a14="http://schemas.microsoft.com/office/drawing/2010/main" xmlns="" w="9525">
+                <a14:hiddenLine xmlns="" xmlns:a14="http://schemas.microsoft.com/office/drawing/2010/main" w="9525">
                   <a:solidFill>
                     <a:srgbClr val="000000"/>
                   </a:solidFill>
@@ -2871,7 +2881,7 @@
             </a:ln>
             <a:extLst>
               <a:ext uri="{91240B29-F687-4f45-9708-019B960494DF}">
-                <a14:hiddenLine xmlns:a14="http://schemas.microsoft.com/office/drawing/2010/main" xmlns="" w="9525">
+                <a14:hiddenLine xmlns="" xmlns:a14="http://schemas.microsoft.com/office/drawing/2010/main" w="9525">
                   <a:solidFill>
                     <a:srgbClr val="000000"/>
                   </a:solidFill>
@@ -2933,7 +2943,7 @@
             </a:ln>
             <a:extLst>
               <a:ext uri="{91240B29-F687-4f45-9708-019B960494DF}">
-                <a14:hiddenLine xmlns:a14="http://schemas.microsoft.com/office/drawing/2010/main" xmlns="" w="9525">
+                <a14:hiddenLine xmlns="" xmlns:a14="http://schemas.microsoft.com/office/drawing/2010/main" w="9525">
                   <a:solidFill>
                     <a:srgbClr val="000000"/>
                   </a:solidFill>
@@ -2995,7 +3005,7 @@
             </a:ln>
             <a:extLst>
               <a:ext uri="{91240B29-F687-4f45-9708-019B960494DF}">
-                <a14:hiddenLine xmlns:a14="http://schemas.microsoft.com/office/drawing/2010/main" xmlns="" w="9525">
+                <a14:hiddenLine xmlns="" xmlns:a14="http://schemas.microsoft.com/office/drawing/2010/main" w="9525">
                   <a:solidFill>
                     <a:srgbClr val="000000"/>
                   </a:solidFill>
@@ -3085,7 +3095,7 @@
             </a:ln>
             <a:extLst>
               <a:ext uri="{91240B29-F687-4f45-9708-019B960494DF}">
-                <a14:hiddenLine xmlns:a14="http://schemas.microsoft.com/office/drawing/2010/main" xmlns="" w="9525">
+                <a14:hiddenLine xmlns="" xmlns:a14="http://schemas.microsoft.com/office/drawing/2010/main" w="9525">
                   <a:solidFill>
                     <a:srgbClr val="000000"/>
                   </a:solidFill>
@@ -3153,7 +3163,7 @@
             </a:ln>
             <a:extLst>
               <a:ext uri="{91240B29-F687-4f45-9708-019B960494DF}">
-                <a14:hiddenLine xmlns:a14="http://schemas.microsoft.com/office/drawing/2010/main" xmlns="" w="9525">
+                <a14:hiddenLine xmlns="" xmlns:a14="http://schemas.microsoft.com/office/drawing/2010/main" w="9525">
                   <a:solidFill>
                     <a:srgbClr val="000000"/>
                   </a:solidFill>
@@ -3215,7 +3225,7 @@
             </a:ln>
             <a:extLst>
               <a:ext uri="{91240B29-F687-4f45-9708-019B960494DF}">
-                <a14:hiddenLine xmlns:a14="http://schemas.microsoft.com/office/drawing/2010/main" xmlns="" w="9525">
+                <a14:hiddenLine xmlns="" xmlns:a14="http://schemas.microsoft.com/office/drawing/2010/main" w="9525">
                   <a:solidFill>
                     <a:srgbClr val="000000"/>
                   </a:solidFill>
@@ -3305,7 +3315,7 @@
             </a:ln>
             <a:extLst>
               <a:ext uri="{91240B29-F687-4f45-9708-019B960494DF}">
-                <a14:hiddenLine xmlns:a14="http://schemas.microsoft.com/office/drawing/2010/main" xmlns="" w="9525">
+                <a14:hiddenLine xmlns="" xmlns:a14="http://schemas.microsoft.com/office/drawing/2010/main" w="9525">
                   <a:solidFill>
                     <a:srgbClr val="000000"/>
                   </a:solidFill>
@@ -3367,7 +3377,7 @@
             </a:ln>
             <a:extLst>
               <a:ext uri="{91240B29-F687-4f45-9708-019B960494DF}">
-                <a14:hiddenLine xmlns:a14="http://schemas.microsoft.com/office/drawing/2010/main" xmlns="" w="9525">
+                <a14:hiddenLine xmlns="" xmlns:a14="http://schemas.microsoft.com/office/drawing/2010/main" w="9525">
                   <a:solidFill>
                     <a:srgbClr val="000000"/>
                   </a:solidFill>
@@ -3457,7 +3467,7 @@
             </a:ln>
             <a:extLst>
               <a:ext uri="{91240B29-F687-4f45-9708-019B960494DF}">
-                <a14:hiddenLine xmlns:a14="http://schemas.microsoft.com/office/drawing/2010/main" xmlns="" w="9525">
+                <a14:hiddenLine xmlns="" xmlns:a14="http://schemas.microsoft.com/office/drawing/2010/main" w="9525">
                   <a:solidFill>
                     <a:srgbClr val="000000"/>
                   </a:solidFill>
@@ -3519,7 +3529,7 @@
             </a:ln>
             <a:extLst>
               <a:ext uri="{91240B29-F687-4f45-9708-019B960494DF}">
-                <a14:hiddenLine xmlns:a14="http://schemas.microsoft.com/office/drawing/2010/main" xmlns="" w="9525">
+                <a14:hiddenLine xmlns="" xmlns:a14="http://schemas.microsoft.com/office/drawing/2010/main" w="9525">
                   <a:solidFill>
                     <a:srgbClr val="000000"/>
                   </a:solidFill>
@@ -3609,7 +3619,7 @@
             </a:ln>
             <a:extLst>
               <a:ext uri="{91240B29-F687-4f45-9708-019B960494DF}">
-                <a14:hiddenLine xmlns:a14="http://schemas.microsoft.com/office/drawing/2010/main" xmlns="" w="9525">
+                <a14:hiddenLine xmlns="" xmlns:a14="http://schemas.microsoft.com/office/drawing/2010/main" w="9525">
                   <a:solidFill>
                     <a:srgbClr val="000000"/>
                   </a:solidFill>
@@ -3643,7 +3653,7 @@
             </a:ln>
             <a:extLst>
               <a:ext uri="{91240B29-F687-4f45-9708-019B960494DF}">
-                <a14:hiddenLine xmlns:a14="http://schemas.microsoft.com/office/drawing/2010/main" xmlns="" w="9525">
+                <a14:hiddenLine xmlns="" xmlns:a14="http://schemas.microsoft.com/office/drawing/2010/main" w="9525">
                   <a:solidFill>
                     <a:srgbClr val="000000"/>
                   </a:solidFill>
@@ -3708,7 +3718,7 @@
             </a:ln>
             <a:extLst>
               <a:ext uri="{91240B29-F687-4f45-9708-019B960494DF}">
-                <a14:hiddenLine xmlns:a14="http://schemas.microsoft.com/office/drawing/2010/main" xmlns="" w="9525">
+                <a14:hiddenLine xmlns="" xmlns:a14="http://schemas.microsoft.com/office/drawing/2010/main" w="9525">
                   <a:solidFill>
                     <a:srgbClr val="000000"/>
                   </a:solidFill>
@@ -3798,7 +3808,7 @@
             </a:ln>
             <a:extLst>
               <a:ext uri="{91240B29-F687-4f45-9708-019B960494DF}">
-                <a14:hiddenLine xmlns:a14="http://schemas.microsoft.com/office/drawing/2010/main" xmlns="" w="9525">
+                <a14:hiddenLine xmlns="" xmlns:a14="http://schemas.microsoft.com/office/drawing/2010/main" w="9525">
                   <a:solidFill>
                     <a:srgbClr val="000000"/>
                   </a:solidFill>
@@ -3860,7 +3870,7 @@
             </a:ln>
             <a:extLst>
               <a:ext uri="{91240B29-F687-4f45-9708-019B960494DF}">
-                <a14:hiddenLine xmlns:a14="http://schemas.microsoft.com/office/drawing/2010/main" xmlns="" w="9525">
+                <a14:hiddenLine xmlns="" xmlns:a14="http://schemas.microsoft.com/office/drawing/2010/main" w="9525">
                   <a:solidFill>
                     <a:srgbClr val="000000"/>
                   </a:solidFill>
@@ -3950,7 +3960,7 @@
             </a:ln>
             <a:extLst>
               <a:ext uri="{91240B29-F687-4f45-9708-019B960494DF}">
-                <a14:hiddenLine xmlns:a14="http://schemas.microsoft.com/office/drawing/2010/main" xmlns="" w="9525">
+                <a14:hiddenLine xmlns="" xmlns:a14="http://schemas.microsoft.com/office/drawing/2010/main" w="9525">
                   <a:solidFill>
                     <a:srgbClr val="000000"/>
                   </a:solidFill>
@@ -4040,7 +4050,7 @@
             </a:ln>
             <a:extLst>
               <a:ext uri="{91240B29-F687-4f45-9708-019B960494DF}">
-                <a14:hiddenLine xmlns:a14="http://schemas.microsoft.com/office/drawing/2010/main" xmlns="" w="9525">
+                <a14:hiddenLine xmlns="" xmlns:a14="http://schemas.microsoft.com/office/drawing/2010/main" w="9525">
                   <a:solidFill>
                     <a:srgbClr val="000000"/>
                   </a:solidFill>
@@ -4105,7 +4115,7 @@
             </a:ln>
             <a:extLst>
               <a:ext uri="{91240B29-F687-4f45-9708-019B960494DF}">
-                <a14:hiddenLine xmlns:a14="http://schemas.microsoft.com/office/drawing/2010/main" xmlns="" w="9525">
+                <a14:hiddenLine xmlns="" xmlns:a14="http://schemas.microsoft.com/office/drawing/2010/main" w="9525">
                   <a:solidFill>
                     <a:srgbClr val="000000"/>
                   </a:solidFill>
@@ -4167,7 +4177,7 @@
             </a:ln>
             <a:extLst>
               <a:ext uri="{91240B29-F687-4f45-9708-019B960494DF}">
-                <a14:hiddenLine xmlns:a14="http://schemas.microsoft.com/office/drawing/2010/main" xmlns="" w="9525">
+                <a14:hiddenLine xmlns="" xmlns:a14="http://schemas.microsoft.com/office/drawing/2010/main" w="9525">
                   <a:solidFill>
                     <a:srgbClr val="000000"/>
                   </a:solidFill>
@@ -4257,7 +4267,7 @@
             </a:ln>
             <a:extLst>
               <a:ext uri="{91240B29-F687-4f45-9708-019B960494DF}">
-                <a14:hiddenLine xmlns:a14="http://schemas.microsoft.com/office/drawing/2010/main" xmlns="" w="9525">
+                <a14:hiddenLine xmlns="" xmlns:a14="http://schemas.microsoft.com/office/drawing/2010/main" w="9525">
                   <a:solidFill>
                     <a:srgbClr val="000000"/>
                   </a:solidFill>
@@ -4347,7 +4357,7 @@
             </a:ln>
             <a:extLst>
               <a:ext uri="{91240B29-F687-4f45-9708-019B960494DF}">
-                <a14:hiddenLine xmlns:a14="http://schemas.microsoft.com/office/drawing/2010/main" xmlns="" w="9525">
+                <a14:hiddenLine xmlns="" xmlns:a14="http://schemas.microsoft.com/office/drawing/2010/main" w="9525">
                   <a:solidFill>
                     <a:srgbClr val="000000"/>
                   </a:solidFill>
@@ -4409,7 +4419,7 @@
             </a:ln>
             <a:extLst>
               <a:ext uri="{91240B29-F687-4f45-9708-019B960494DF}">
-                <a14:hiddenLine xmlns:a14="http://schemas.microsoft.com/office/drawing/2010/main" xmlns="" w="9525">
+                <a14:hiddenLine xmlns="" xmlns:a14="http://schemas.microsoft.com/office/drawing/2010/main" w="9525">
                   <a:solidFill>
                     <a:srgbClr val="000000"/>
                   </a:solidFill>
@@ -4529,7 +4539,7 @@
             </a:ln>
             <a:extLst>
               <a:ext uri="{91240B29-F687-4f45-9708-019B960494DF}">
-                <a14:hiddenLine xmlns:a14="http://schemas.microsoft.com/office/drawing/2010/main" xmlns="" w="9525">
+                <a14:hiddenLine xmlns="" xmlns:a14="http://schemas.microsoft.com/office/drawing/2010/main" w="9525">
                   <a:solidFill>
                     <a:srgbClr val="000000"/>
                   </a:solidFill>
@@ -4597,7 +4607,7 @@
             </a:ln>
             <a:extLst>
               <a:ext uri="{91240B29-F687-4f45-9708-019B960494DF}">
-                <a14:hiddenLine xmlns:a14="http://schemas.microsoft.com/office/drawing/2010/main" xmlns="" w="9525">
+                <a14:hiddenLine xmlns="" xmlns:a14="http://schemas.microsoft.com/office/drawing/2010/main" w="9525">
                   <a:solidFill>
                     <a:srgbClr val="000000"/>
                   </a:solidFill>
@@ -4687,7 +4697,7 @@
             </a:ln>
             <a:extLst>
               <a:ext uri="{91240B29-F687-4f45-9708-019B960494DF}">
-                <a14:hiddenLine xmlns:a14="http://schemas.microsoft.com/office/drawing/2010/main" xmlns="" w="9525">
+                <a14:hiddenLine xmlns="" xmlns:a14="http://schemas.microsoft.com/office/drawing/2010/main" w="9525">
                   <a:solidFill>
                     <a:srgbClr val="000000"/>
                   </a:solidFill>
@@ -4890,13 +4900,13 @@
   <p:clrMapOvr>
     <a:masterClrMapping/>
   </p:clrMapOvr>
-  <mc:AlternateContent xmlns:mc="http://schemas.openxmlformats.org/markup-compatibility/2006">
-    <mc:Choice xmlns:p14="http://schemas.microsoft.com/office/powerpoint/2010/main" Requires="p14">
+  <mc:AlternateContent xmlns:mc="http://schemas.openxmlformats.org/markup-compatibility/2006" xmlns:p14="http://schemas.microsoft.com/office/powerpoint/2010/main">
+    <mc:Choice Requires="p14">
       <p:transition spd="slow" p14:dur="3400">
         <p14:reveal/>
       </p:transition>
     </mc:Choice>
-    <mc:Fallback>
+    <mc:Fallback xmlns="">
       <p:transition spd="slow">
         <p:fade/>
       </p:transition>
@@ -5154,13 +5164,13 @@
   <p:clrMapOvr>
     <a:masterClrMapping/>
   </p:clrMapOvr>
-  <mc:AlternateContent xmlns:mc="http://schemas.openxmlformats.org/markup-compatibility/2006">
-    <mc:Choice xmlns:p14="http://schemas.microsoft.com/office/powerpoint/2010/main" Requires="p14">
+  <mc:AlternateContent xmlns:mc="http://schemas.openxmlformats.org/markup-compatibility/2006" xmlns:p14="http://schemas.microsoft.com/office/powerpoint/2010/main">
+    <mc:Choice Requires="p14">
       <p:transition spd="slow" p14:dur="3400">
         <p14:reveal/>
       </p:transition>
     </mc:Choice>
-    <mc:Fallback>
+    <mc:Fallback xmlns="">
       <p:transition spd="slow">
         <p:fade/>
       </p:transition>
@@ -5357,13 +5367,13 @@
   <p:clrMapOvr>
     <a:masterClrMapping/>
   </p:clrMapOvr>
-  <mc:AlternateContent xmlns:mc="http://schemas.openxmlformats.org/markup-compatibility/2006">
-    <mc:Choice xmlns:p14="http://schemas.microsoft.com/office/powerpoint/2010/main" Requires="p14">
+  <mc:AlternateContent xmlns:mc="http://schemas.openxmlformats.org/markup-compatibility/2006" xmlns:p14="http://schemas.microsoft.com/office/powerpoint/2010/main">
+    <mc:Choice Requires="p14">
       <p:transition spd="slow" p14:dur="3400">
         <p14:reveal/>
       </p:transition>
     </mc:Choice>
-    <mc:Fallback>
+    <mc:Fallback xmlns="">
       <p:transition spd="slow">
         <p:fade/>
       </p:transition>
@@ -5865,13 +5875,13 @@
   <p:clrMapOvr>
     <a:masterClrMapping/>
   </p:clrMapOvr>
-  <mc:AlternateContent xmlns:mc="http://schemas.openxmlformats.org/markup-compatibility/2006">
-    <mc:Choice xmlns:p14="http://schemas.microsoft.com/office/powerpoint/2010/main" Requires="p14">
+  <mc:AlternateContent xmlns:mc="http://schemas.openxmlformats.org/markup-compatibility/2006" xmlns:p14="http://schemas.microsoft.com/office/powerpoint/2010/main">
+    <mc:Choice Requires="p14">
       <p:transition spd="slow" p14:dur="3400">
         <p14:reveal/>
       </p:transition>
     </mc:Choice>
-    <mc:Fallback>
+    <mc:Fallback xmlns="">
       <p:transition spd="slow">
         <p:fade/>
       </p:transition>
@@ -6068,13 +6078,13 @@
   <p:clrMapOvr>
     <a:masterClrMapping/>
   </p:clrMapOvr>
-  <mc:AlternateContent xmlns:mc="http://schemas.openxmlformats.org/markup-compatibility/2006">
-    <mc:Choice xmlns:p14="http://schemas.microsoft.com/office/powerpoint/2010/main" Requires="p14">
+  <mc:AlternateContent xmlns:mc="http://schemas.openxmlformats.org/markup-compatibility/2006" xmlns:p14="http://schemas.microsoft.com/office/powerpoint/2010/main">
+    <mc:Choice Requires="p14">
       <p:transition spd="slow" p14:dur="3400">
         <p14:reveal/>
       </p:transition>
     </mc:Choice>
-    <mc:Fallback>
+    <mc:Fallback xmlns="">
       <p:transition spd="slow">
         <p:fade/>
       </p:transition>
@@ -6621,13 +6631,13 @@
   <p:clrMapOvr>
     <a:masterClrMapping/>
   </p:clrMapOvr>
-  <mc:AlternateContent xmlns:mc="http://schemas.openxmlformats.org/markup-compatibility/2006">
-    <mc:Choice xmlns:p14="http://schemas.microsoft.com/office/powerpoint/2010/main" Requires="p14">
+  <mc:AlternateContent xmlns:mc="http://schemas.openxmlformats.org/markup-compatibility/2006" xmlns:p14="http://schemas.microsoft.com/office/powerpoint/2010/main">
+    <mc:Choice Requires="p14">
       <p:transition spd="slow" p14:dur="3400">
         <p14:reveal/>
       </p:transition>
     </mc:Choice>
-    <mc:Fallback>
+    <mc:Fallback xmlns="">
       <p:transition spd="slow">
         <p:fade/>
       </p:transition>
@@ -7348,13 +7358,13 @@
   <p:clrMapOvr>
     <a:masterClrMapping/>
   </p:clrMapOvr>
-  <mc:AlternateContent xmlns:mc="http://schemas.openxmlformats.org/markup-compatibility/2006">
-    <mc:Choice xmlns:p14="http://schemas.microsoft.com/office/powerpoint/2010/main" Requires="p14">
+  <mc:AlternateContent xmlns:mc="http://schemas.openxmlformats.org/markup-compatibility/2006" xmlns:p14="http://schemas.microsoft.com/office/powerpoint/2010/main">
+    <mc:Choice Requires="p14">
       <p:transition spd="slow" p14:dur="3400">
         <p14:reveal/>
       </p:transition>
     </mc:Choice>
-    <mc:Fallback>
+    <mc:Fallback xmlns="">
       <p:transition spd="slow">
         <p:fade/>
       </p:transition>
@@ -7525,13 +7535,13 @@
   <p:clrMapOvr>
     <a:masterClrMapping/>
   </p:clrMapOvr>
-  <mc:AlternateContent xmlns:mc="http://schemas.openxmlformats.org/markup-compatibility/2006">
-    <mc:Choice xmlns:p14="http://schemas.microsoft.com/office/powerpoint/2010/main" Requires="p14">
+  <mc:AlternateContent xmlns:mc="http://schemas.openxmlformats.org/markup-compatibility/2006" xmlns:p14="http://schemas.microsoft.com/office/powerpoint/2010/main">
+    <mc:Choice Requires="p14">
       <p:transition spd="slow" p14:dur="3400">
         <p14:reveal/>
       </p:transition>
     </mc:Choice>
-    <mc:Fallback>
+    <mc:Fallback xmlns="">
       <p:transition spd="slow">
         <p:fade/>
       </p:transition>
@@ -7712,13 +7722,13 @@
   <p:clrMapOvr>
     <a:masterClrMapping/>
   </p:clrMapOvr>
-  <mc:AlternateContent xmlns:mc="http://schemas.openxmlformats.org/markup-compatibility/2006">
-    <mc:Choice xmlns:p14="http://schemas.microsoft.com/office/powerpoint/2010/main" Requires="p14">
+  <mc:AlternateContent xmlns:mc="http://schemas.openxmlformats.org/markup-compatibility/2006" xmlns:p14="http://schemas.microsoft.com/office/powerpoint/2010/main">
+    <mc:Choice Requires="p14">
       <p:transition spd="slow" p14:dur="3400">
         <p14:reveal/>
       </p:transition>
     </mc:Choice>
-    <mc:Fallback>
+    <mc:Fallback xmlns="">
       <p:transition spd="slow">
         <p:fade/>
       </p:transition>
@@ -7889,13 +7899,13 @@
   <p:clrMapOvr>
     <a:masterClrMapping/>
   </p:clrMapOvr>
-  <mc:AlternateContent xmlns:mc="http://schemas.openxmlformats.org/markup-compatibility/2006">
-    <mc:Choice xmlns:p14="http://schemas.microsoft.com/office/powerpoint/2010/main" Requires="p14">
+  <mc:AlternateContent xmlns:mc="http://schemas.openxmlformats.org/markup-compatibility/2006" xmlns:p14="http://schemas.microsoft.com/office/powerpoint/2010/main">
+    <mc:Choice Requires="p14">
       <p:transition spd="slow" p14:dur="3400">
         <p14:reveal/>
       </p:transition>
     </mc:Choice>
-    <mc:Fallback>
+    <mc:Fallback xmlns="">
       <p:transition spd="slow">
         <p:fade/>
       </p:transition>
@@ -8146,13 +8156,13 @@
   <p:clrMapOvr>
     <a:masterClrMapping/>
   </p:clrMapOvr>
-  <mc:AlternateContent xmlns:mc="http://schemas.openxmlformats.org/markup-compatibility/2006">
-    <mc:Choice xmlns:p14="http://schemas.microsoft.com/office/powerpoint/2010/main" Requires="p14">
+  <mc:AlternateContent xmlns:mc="http://schemas.openxmlformats.org/markup-compatibility/2006" xmlns:p14="http://schemas.microsoft.com/office/powerpoint/2010/main">
+    <mc:Choice Requires="p14">
       <p:transition spd="slow" p14:dur="3400">
         <p14:reveal/>
       </p:transition>
     </mc:Choice>
-    <mc:Fallback>
+    <mc:Fallback xmlns="">
       <p:transition spd="slow">
         <p:fade/>
       </p:transition>
@@ -8385,13 +8395,13 @@
   <p:clrMapOvr>
     <a:masterClrMapping/>
   </p:clrMapOvr>
-  <mc:AlternateContent xmlns:mc="http://schemas.openxmlformats.org/markup-compatibility/2006">
-    <mc:Choice xmlns:p14="http://schemas.microsoft.com/office/powerpoint/2010/main" Requires="p14">
+  <mc:AlternateContent xmlns:mc="http://schemas.openxmlformats.org/markup-compatibility/2006" xmlns:p14="http://schemas.microsoft.com/office/powerpoint/2010/main">
+    <mc:Choice Requires="p14">
       <p:transition spd="slow" p14:dur="3400">
         <p14:reveal/>
       </p:transition>
     </mc:Choice>
-    <mc:Fallback>
+    <mc:Fallback xmlns="">
       <p:transition spd="slow">
         <p:fade/>
       </p:transition>
@@ -8773,13 +8783,13 @@
   <p:clrMapOvr>
     <a:masterClrMapping/>
   </p:clrMapOvr>
-  <mc:AlternateContent xmlns:mc="http://schemas.openxmlformats.org/markup-compatibility/2006">
-    <mc:Choice xmlns:p14="http://schemas.microsoft.com/office/powerpoint/2010/main" Requires="p14">
+  <mc:AlternateContent xmlns:mc="http://schemas.openxmlformats.org/markup-compatibility/2006" xmlns:p14="http://schemas.microsoft.com/office/powerpoint/2010/main">
+    <mc:Choice Requires="p14">
       <p:transition spd="slow" p14:dur="3400">
         <p14:reveal/>
       </p:transition>
     </mc:Choice>
-    <mc:Fallback>
+    <mc:Fallback xmlns="">
       <p:transition spd="slow">
         <p:fade/>
       </p:transition>
@@ -8898,13 +8908,13 @@
   <p:clrMapOvr>
     <a:masterClrMapping/>
   </p:clrMapOvr>
-  <mc:AlternateContent xmlns:mc="http://schemas.openxmlformats.org/markup-compatibility/2006">
-    <mc:Choice xmlns:p14="http://schemas.microsoft.com/office/powerpoint/2010/main" Requires="p14">
+  <mc:AlternateContent xmlns:mc="http://schemas.openxmlformats.org/markup-compatibility/2006" xmlns:p14="http://schemas.microsoft.com/office/powerpoint/2010/main">
+    <mc:Choice Requires="p14">
       <p:transition spd="slow" p14:dur="3400">
         <p14:reveal/>
       </p:transition>
     </mc:Choice>
-    <mc:Fallback>
+    <mc:Fallback xmlns="">
       <p:transition spd="slow">
         <p:fade/>
       </p:transition>
@@ -9000,13 +9010,13 @@
   <p:clrMapOvr>
     <a:masterClrMapping/>
   </p:clrMapOvr>
-  <mc:AlternateContent xmlns:mc="http://schemas.openxmlformats.org/markup-compatibility/2006">
-    <mc:Choice xmlns:p14="http://schemas.microsoft.com/office/powerpoint/2010/main" Requires="p14">
+  <mc:AlternateContent xmlns:mc="http://schemas.openxmlformats.org/markup-compatibility/2006" xmlns:p14="http://schemas.microsoft.com/office/powerpoint/2010/main">
+    <mc:Choice Requires="p14">
       <p:transition spd="slow" p14:dur="3400">
         <p14:reveal/>
       </p:transition>
     </mc:Choice>
-    <mc:Fallback>
+    <mc:Fallback xmlns="">
       <p:transition spd="slow">
         <p:fade/>
       </p:transition>
@@ -9256,13 +9266,13 @@
   <p:clrMapOvr>
     <a:masterClrMapping/>
   </p:clrMapOvr>
-  <mc:AlternateContent xmlns:mc="http://schemas.openxmlformats.org/markup-compatibility/2006">
-    <mc:Choice xmlns:p14="http://schemas.microsoft.com/office/powerpoint/2010/main" Requires="p14">
+  <mc:AlternateContent xmlns:mc="http://schemas.openxmlformats.org/markup-compatibility/2006" xmlns:p14="http://schemas.microsoft.com/office/powerpoint/2010/main">
+    <mc:Choice Requires="p14">
       <p:transition spd="slow" p14:dur="3400">
         <p14:reveal/>
       </p:transition>
     </mc:Choice>
-    <mc:Fallback>
+    <mc:Fallback xmlns="">
       <p:transition spd="slow">
         <p:fade/>
       </p:transition>
@@ -9543,13 +9553,13 @@
   <p:clrMapOvr>
     <a:masterClrMapping/>
   </p:clrMapOvr>
-  <mc:AlternateContent xmlns:mc="http://schemas.openxmlformats.org/markup-compatibility/2006">
-    <mc:Choice xmlns:p14="http://schemas.microsoft.com/office/powerpoint/2010/main" Requires="p14">
+  <mc:AlternateContent xmlns:mc="http://schemas.openxmlformats.org/markup-compatibility/2006" xmlns:p14="http://schemas.microsoft.com/office/powerpoint/2010/main">
+    <mc:Choice Requires="p14">
       <p:transition spd="slow" p14:dur="3400">
         <p14:reveal/>
       </p:transition>
     </mc:Choice>
-    <mc:Fallback>
+    <mc:Fallback xmlns="">
       <p:transition spd="slow">
         <p:fade/>
       </p:transition>
@@ -9613,7 +9623,7 @@
           <a:noFill/>
           <a:extLst>
             <a:ext uri="{909E8E84-426E-40dd-AFC4-6F175D3DCCD1}">
-              <a14:hiddenFill xmlns:a14="http://schemas.microsoft.com/office/drawing/2010/main" xmlns="">
+              <a14:hiddenFill xmlns="" xmlns:a14="http://schemas.microsoft.com/office/drawing/2010/main">
                 <a:solidFill>
                   <a:srgbClr val="FFFFFF"/>
                 </a:solidFill>
@@ -9687,7 +9697,7 @@
               </a:ln>
               <a:extLst>
                 <a:ext uri="{91240B29-F687-4f45-9708-019B960494DF}">
-                  <a14:hiddenLine xmlns:a14="http://schemas.microsoft.com/office/drawing/2010/main" xmlns="" w="9525">
+                  <a14:hiddenLine xmlns="" xmlns:a14="http://schemas.microsoft.com/office/drawing/2010/main" w="9525">
                     <a:solidFill>
                       <a:srgbClr val="000000"/>
                     </a:solidFill>
@@ -9777,7 +9787,7 @@
               </a:ln>
               <a:extLst>
                 <a:ext uri="{91240B29-F687-4f45-9708-019B960494DF}">
-                  <a14:hiddenLine xmlns:a14="http://schemas.microsoft.com/office/drawing/2010/main" xmlns="" w="9525">
+                  <a14:hiddenLine xmlns="" xmlns:a14="http://schemas.microsoft.com/office/drawing/2010/main" w="9525">
                     <a:solidFill>
                       <a:srgbClr val="000000"/>
                     </a:solidFill>
@@ -9867,7 +9877,7 @@
               </a:ln>
               <a:extLst>
                 <a:ext uri="{91240B29-F687-4f45-9708-019B960494DF}">
-                  <a14:hiddenLine xmlns:a14="http://schemas.microsoft.com/office/drawing/2010/main" xmlns="" w="9525">
+                  <a14:hiddenLine xmlns="" xmlns:a14="http://schemas.microsoft.com/office/drawing/2010/main" w="9525">
                     <a:solidFill>
                       <a:srgbClr val="000000"/>
                     </a:solidFill>
@@ -9929,7 +9939,7 @@
               </a:ln>
               <a:extLst>
                 <a:ext uri="{91240B29-F687-4f45-9708-019B960494DF}">
-                  <a14:hiddenLine xmlns:a14="http://schemas.microsoft.com/office/drawing/2010/main" xmlns="" w="9525">
+                  <a14:hiddenLine xmlns="" xmlns:a14="http://schemas.microsoft.com/office/drawing/2010/main" w="9525">
                     <a:solidFill>
                       <a:srgbClr val="000000"/>
                     </a:solidFill>
@@ -10019,7 +10029,7 @@
               </a:ln>
               <a:extLst>
                 <a:ext uri="{91240B29-F687-4f45-9708-019B960494DF}">
-                  <a14:hiddenLine xmlns:a14="http://schemas.microsoft.com/office/drawing/2010/main" xmlns="" w="9525">
+                  <a14:hiddenLine xmlns="" xmlns:a14="http://schemas.microsoft.com/office/drawing/2010/main" w="9525">
                     <a:solidFill>
                       <a:srgbClr val="000000"/>
                     </a:solidFill>
@@ -10081,7 +10091,7 @@
               </a:ln>
               <a:extLst>
                 <a:ext uri="{91240B29-F687-4f45-9708-019B960494DF}">
-                  <a14:hiddenLine xmlns:a14="http://schemas.microsoft.com/office/drawing/2010/main" xmlns="" w="9525">
+                  <a14:hiddenLine xmlns="" xmlns:a14="http://schemas.microsoft.com/office/drawing/2010/main" w="9525">
                     <a:solidFill>
                       <a:srgbClr val="000000"/>
                     </a:solidFill>
@@ -10143,7 +10153,7 @@
               </a:ln>
               <a:extLst>
                 <a:ext uri="{91240B29-F687-4f45-9708-019B960494DF}">
-                  <a14:hiddenLine xmlns:a14="http://schemas.microsoft.com/office/drawing/2010/main" xmlns="" w="9525">
+                  <a14:hiddenLine xmlns="" xmlns:a14="http://schemas.microsoft.com/office/drawing/2010/main" w="9525">
                     <a:solidFill>
                       <a:srgbClr val="000000"/>
                     </a:solidFill>
@@ -10233,7 +10243,7 @@
               </a:ln>
               <a:extLst>
                 <a:ext uri="{91240B29-F687-4f45-9708-019B960494DF}">
-                  <a14:hiddenLine xmlns:a14="http://schemas.microsoft.com/office/drawing/2010/main" xmlns="" w="9525">
+                  <a14:hiddenLine xmlns="" xmlns:a14="http://schemas.microsoft.com/office/drawing/2010/main" w="9525">
                     <a:solidFill>
                       <a:srgbClr val="000000"/>
                     </a:solidFill>
@@ -10323,7 +10333,7 @@
               </a:ln>
               <a:extLst>
                 <a:ext uri="{91240B29-F687-4f45-9708-019B960494DF}">
-                  <a14:hiddenLine xmlns:a14="http://schemas.microsoft.com/office/drawing/2010/main" xmlns="" w="9525">
+                  <a14:hiddenLine xmlns="" xmlns:a14="http://schemas.microsoft.com/office/drawing/2010/main" w="9525">
                     <a:solidFill>
                       <a:srgbClr val="000000"/>
                     </a:solidFill>
@@ -10385,7 +10395,7 @@
               </a:ln>
               <a:extLst>
                 <a:ext uri="{91240B29-F687-4f45-9708-019B960494DF}">
-                  <a14:hiddenLine xmlns:a14="http://schemas.microsoft.com/office/drawing/2010/main" xmlns="" w="9525">
+                  <a14:hiddenLine xmlns="" xmlns:a14="http://schemas.microsoft.com/office/drawing/2010/main" w="9525">
                     <a:solidFill>
                       <a:srgbClr val="000000"/>
                     </a:solidFill>
@@ -10495,7 +10505,7 @@
               </a:ln>
               <a:extLst>
                 <a:ext uri="{91240B29-F687-4f45-9708-019B960494DF}">
-                  <a14:hiddenLine xmlns:a14="http://schemas.microsoft.com/office/drawing/2010/main" xmlns="" w="9525">
+                  <a14:hiddenLine xmlns="" xmlns:a14="http://schemas.microsoft.com/office/drawing/2010/main" w="9525">
                     <a:solidFill>
                       <a:srgbClr val="000000"/>
                     </a:solidFill>
@@ -10579,7 +10589,7 @@
               </a:ln>
               <a:extLst>
                 <a:ext uri="{91240B29-F687-4f45-9708-019B960494DF}">
-                  <a14:hiddenLine xmlns:a14="http://schemas.microsoft.com/office/drawing/2010/main" xmlns="" w="9525">
+                  <a14:hiddenLine xmlns="" xmlns:a14="http://schemas.microsoft.com/office/drawing/2010/main" w="9525">
                     <a:solidFill>
                       <a:srgbClr val="000000"/>
                     </a:solidFill>
@@ -10641,7 +10651,7 @@
               </a:ln>
               <a:extLst>
                 <a:ext uri="{91240B29-F687-4f45-9708-019B960494DF}">
-                  <a14:hiddenLine xmlns:a14="http://schemas.microsoft.com/office/drawing/2010/main" xmlns="" w="9525">
+                  <a14:hiddenLine xmlns="" xmlns:a14="http://schemas.microsoft.com/office/drawing/2010/main" w="9525">
                     <a:solidFill>
                       <a:srgbClr val="000000"/>
                     </a:solidFill>
@@ -10703,7 +10713,7 @@
               </a:ln>
               <a:extLst>
                 <a:ext uri="{91240B29-F687-4f45-9708-019B960494DF}">
-                  <a14:hiddenLine xmlns:a14="http://schemas.microsoft.com/office/drawing/2010/main" xmlns="" w="9525">
+                  <a14:hiddenLine xmlns="" xmlns:a14="http://schemas.microsoft.com/office/drawing/2010/main" w="9525">
                     <a:solidFill>
                       <a:srgbClr val="000000"/>
                     </a:solidFill>
@@ -10793,7 +10803,7 @@
               </a:ln>
               <a:extLst>
                 <a:ext uri="{91240B29-F687-4f45-9708-019B960494DF}">
-                  <a14:hiddenLine xmlns:a14="http://schemas.microsoft.com/office/drawing/2010/main" xmlns="" w="9525">
+                  <a14:hiddenLine xmlns="" xmlns:a14="http://schemas.microsoft.com/office/drawing/2010/main" w="9525">
                     <a:solidFill>
                       <a:srgbClr val="000000"/>
                     </a:solidFill>
@@ -10827,7 +10837,7 @@
               </a:ln>
               <a:extLst>
                 <a:ext uri="{91240B29-F687-4f45-9708-019B960494DF}">
-                  <a14:hiddenLine xmlns:a14="http://schemas.microsoft.com/office/drawing/2010/main" xmlns="" w="9525">
+                  <a14:hiddenLine xmlns="" xmlns:a14="http://schemas.microsoft.com/office/drawing/2010/main" w="9525">
                     <a:solidFill>
                       <a:srgbClr val="000000"/>
                     </a:solidFill>
@@ -10892,7 +10902,7 @@
               </a:ln>
               <a:extLst>
                 <a:ext uri="{91240B29-F687-4f45-9708-019B960494DF}">
-                  <a14:hiddenLine xmlns:a14="http://schemas.microsoft.com/office/drawing/2010/main" xmlns="" w="9525">
+                  <a14:hiddenLine xmlns="" xmlns:a14="http://schemas.microsoft.com/office/drawing/2010/main" w="9525">
                     <a:solidFill>
                       <a:srgbClr val="000000"/>
                     </a:solidFill>
@@ -10982,7 +10992,7 @@
               </a:ln>
               <a:extLst>
                 <a:ext uri="{91240B29-F687-4f45-9708-019B960494DF}">
-                  <a14:hiddenLine xmlns:a14="http://schemas.microsoft.com/office/drawing/2010/main" xmlns="" w="9525">
+                  <a14:hiddenLine xmlns="" xmlns:a14="http://schemas.microsoft.com/office/drawing/2010/main" w="9525">
                     <a:solidFill>
                       <a:srgbClr val="000000"/>
                     </a:solidFill>
@@ -11044,7 +11054,7 @@
               </a:ln>
               <a:extLst>
                 <a:ext uri="{91240B29-F687-4f45-9708-019B960494DF}">
-                  <a14:hiddenLine xmlns:a14="http://schemas.microsoft.com/office/drawing/2010/main" xmlns="" w="9525">
+                  <a14:hiddenLine xmlns="" xmlns:a14="http://schemas.microsoft.com/office/drawing/2010/main" w="9525">
                     <a:solidFill>
                       <a:srgbClr val="000000"/>
                     </a:solidFill>
@@ -11134,7 +11144,7 @@
               </a:ln>
               <a:extLst>
                 <a:ext uri="{91240B29-F687-4f45-9708-019B960494DF}">
-                  <a14:hiddenLine xmlns:a14="http://schemas.microsoft.com/office/drawing/2010/main" xmlns="" w="9525">
+                  <a14:hiddenLine xmlns="" xmlns:a14="http://schemas.microsoft.com/office/drawing/2010/main" w="9525">
                     <a:solidFill>
                       <a:srgbClr val="000000"/>
                     </a:solidFill>
@@ -11199,7 +11209,7 @@
               </a:ln>
               <a:extLst>
                 <a:ext uri="{91240B29-F687-4f45-9708-019B960494DF}">
-                  <a14:hiddenLine xmlns:a14="http://schemas.microsoft.com/office/drawing/2010/main" xmlns="" w="9525">
+                  <a14:hiddenLine xmlns="" xmlns:a14="http://schemas.microsoft.com/office/drawing/2010/main" w="9525">
                     <a:solidFill>
                       <a:srgbClr val="000000"/>
                     </a:solidFill>
@@ -11261,7 +11271,7 @@
               </a:ln>
               <a:extLst>
                 <a:ext uri="{91240B29-F687-4f45-9708-019B960494DF}">
-                  <a14:hiddenLine xmlns:a14="http://schemas.microsoft.com/office/drawing/2010/main" xmlns="" w="9525">
+                  <a14:hiddenLine xmlns="" xmlns:a14="http://schemas.microsoft.com/office/drawing/2010/main" w="9525">
                     <a:solidFill>
                       <a:srgbClr val="000000"/>
                     </a:solidFill>
@@ -11351,7 +11361,7 @@
               </a:ln>
               <a:extLst>
                 <a:ext uri="{91240B29-F687-4f45-9708-019B960494DF}">
-                  <a14:hiddenLine xmlns:a14="http://schemas.microsoft.com/office/drawing/2010/main" xmlns="" w="9525">
+                  <a14:hiddenLine xmlns="" xmlns:a14="http://schemas.microsoft.com/office/drawing/2010/main" w="9525">
                     <a:solidFill>
                       <a:srgbClr val="000000"/>
                     </a:solidFill>
@@ -11441,7 +11451,7 @@
               </a:ln>
               <a:extLst>
                 <a:ext uri="{91240B29-F687-4f45-9708-019B960494DF}">
-                  <a14:hiddenLine xmlns:a14="http://schemas.microsoft.com/office/drawing/2010/main" xmlns="" w="9525">
+                  <a14:hiddenLine xmlns="" xmlns:a14="http://schemas.microsoft.com/office/drawing/2010/main" w="9525">
                     <a:solidFill>
                       <a:srgbClr val="000000"/>
                     </a:solidFill>
@@ -11506,7 +11516,7 @@
               </a:ln>
               <a:extLst>
                 <a:ext uri="{91240B29-F687-4f45-9708-019B960494DF}">
-                  <a14:hiddenLine xmlns:a14="http://schemas.microsoft.com/office/drawing/2010/main" xmlns="" w="9525">
+                  <a14:hiddenLine xmlns="" xmlns:a14="http://schemas.microsoft.com/office/drawing/2010/main" w="9525">
                     <a:solidFill>
                       <a:srgbClr val="000000"/>
                     </a:solidFill>
@@ -11626,7 +11636,7 @@
               </a:ln>
               <a:extLst>
                 <a:ext uri="{91240B29-F687-4f45-9708-019B960494DF}">
-                  <a14:hiddenLine xmlns:a14="http://schemas.microsoft.com/office/drawing/2010/main" xmlns="" w="9525">
+                  <a14:hiddenLine xmlns="" xmlns:a14="http://schemas.microsoft.com/office/drawing/2010/main" w="9525">
                     <a:solidFill>
                       <a:srgbClr val="000000"/>
                     </a:solidFill>
@@ -11724,7 +11734,7 @@
               </a:ln>
               <a:extLst>
                 <a:ext uri="{91240B29-F687-4f45-9708-019B960494DF}">
-                  <a14:hiddenLine xmlns:a14="http://schemas.microsoft.com/office/drawing/2010/main" xmlns="" w="9525">
+                  <a14:hiddenLine xmlns="" xmlns:a14="http://schemas.microsoft.com/office/drawing/2010/main" w="9525">
                     <a:solidFill>
                       <a:srgbClr val="000000"/>
                     </a:solidFill>
@@ -11839,7 +11849,7 @@
               </a:ln>
               <a:extLst>
                 <a:ext uri="{91240B29-F687-4f45-9708-019B960494DF}">
-                  <a14:hiddenLine xmlns:a14="http://schemas.microsoft.com/office/drawing/2010/main" xmlns="" w="9525">
+                  <a14:hiddenLine xmlns="" xmlns:a14="http://schemas.microsoft.com/office/drawing/2010/main" w="9525">
                     <a:solidFill>
                       <a:srgbClr val="000000"/>
                     </a:solidFill>
@@ -11929,7 +11939,7 @@
               </a:ln>
               <a:extLst>
                 <a:ext uri="{91240B29-F687-4f45-9708-019B960494DF}">
-                  <a14:hiddenLine xmlns:a14="http://schemas.microsoft.com/office/drawing/2010/main" xmlns="" w="9525">
+                  <a14:hiddenLine xmlns="" xmlns:a14="http://schemas.microsoft.com/office/drawing/2010/main" w="9525">
                     <a:solidFill>
                       <a:srgbClr val="000000"/>
                     </a:solidFill>
@@ -11994,7 +12004,7 @@
               </a:ln>
               <a:extLst>
                 <a:ext uri="{91240B29-F687-4f45-9708-019B960494DF}">
-                  <a14:hiddenLine xmlns:a14="http://schemas.microsoft.com/office/drawing/2010/main" xmlns="" w="9525">
+                  <a14:hiddenLine xmlns="" xmlns:a14="http://schemas.microsoft.com/office/drawing/2010/main" w="9525">
                     <a:solidFill>
                       <a:srgbClr val="000000"/>
                     </a:solidFill>
@@ -12084,7 +12094,7 @@
               </a:ln>
               <a:extLst>
                 <a:ext uri="{91240B29-F687-4f45-9708-019B960494DF}">
-                  <a14:hiddenLine xmlns:a14="http://schemas.microsoft.com/office/drawing/2010/main" xmlns="" w="9525">
+                  <a14:hiddenLine xmlns="" xmlns:a14="http://schemas.microsoft.com/office/drawing/2010/main" w="9525">
                     <a:solidFill>
                       <a:srgbClr val="000000"/>
                     </a:solidFill>
@@ -12152,7 +12162,7 @@
               </a:ln>
               <a:extLst>
                 <a:ext uri="{91240B29-F687-4f45-9708-019B960494DF}">
-                  <a14:hiddenLine xmlns:a14="http://schemas.microsoft.com/office/drawing/2010/main" xmlns="" w="9525">
+                  <a14:hiddenLine xmlns="" xmlns:a14="http://schemas.microsoft.com/office/drawing/2010/main" w="9525">
                     <a:solidFill>
                       <a:srgbClr val="000000"/>
                     </a:solidFill>
@@ -12242,7 +12252,7 @@
               </a:ln>
               <a:extLst>
                 <a:ext uri="{91240B29-F687-4f45-9708-019B960494DF}">
-                  <a14:hiddenLine xmlns:a14="http://schemas.microsoft.com/office/drawing/2010/main" xmlns="" w="9525">
+                  <a14:hiddenLine xmlns="" xmlns:a14="http://schemas.microsoft.com/office/drawing/2010/main" w="9525">
                     <a:solidFill>
                       <a:srgbClr val="000000"/>
                     </a:solidFill>
@@ -12310,7 +12320,7 @@
               </a:ln>
               <a:extLst>
                 <a:ext uri="{91240B29-F687-4f45-9708-019B960494DF}">
-                  <a14:hiddenLine xmlns:a14="http://schemas.microsoft.com/office/drawing/2010/main" xmlns="" w="9525">
+                  <a14:hiddenLine xmlns="" xmlns:a14="http://schemas.microsoft.com/office/drawing/2010/main" w="9525">
                     <a:solidFill>
                       <a:srgbClr val="000000"/>
                     </a:solidFill>
@@ -12400,7 +12410,7 @@
               </a:ln>
               <a:extLst>
                 <a:ext uri="{91240B29-F687-4f45-9708-019B960494DF}">
-                  <a14:hiddenLine xmlns:a14="http://schemas.microsoft.com/office/drawing/2010/main" xmlns="" w="9525">
+                  <a14:hiddenLine xmlns="" xmlns:a14="http://schemas.microsoft.com/office/drawing/2010/main" w="9525">
                     <a:solidFill>
                       <a:srgbClr val="000000"/>
                     </a:solidFill>
@@ -12434,7 +12444,7 @@
               </a:ln>
               <a:extLst>
                 <a:ext uri="{91240B29-F687-4f45-9708-019B960494DF}">
-                  <a14:hiddenLine xmlns:a14="http://schemas.microsoft.com/office/drawing/2010/main" xmlns="" w="9525">
+                  <a14:hiddenLine xmlns="" xmlns:a14="http://schemas.microsoft.com/office/drawing/2010/main" w="9525">
                     <a:solidFill>
                       <a:srgbClr val="000000"/>
                     </a:solidFill>
@@ -12682,13 +12692,13 @@
     <p:sldLayoutId id="2147483658" r:id="rId16"/>
     <p:sldLayoutId id="2147483659" r:id="rId17"/>
   </p:sldLayoutIdLst>
-  <mc:AlternateContent xmlns:mc="http://schemas.openxmlformats.org/markup-compatibility/2006">
-    <mc:Choice xmlns:p14="http://schemas.microsoft.com/office/powerpoint/2010/main" Requires="p14">
+  <mc:AlternateContent xmlns:mc="http://schemas.openxmlformats.org/markup-compatibility/2006" xmlns:p14="http://schemas.microsoft.com/office/powerpoint/2010/main">
+    <mc:Choice Requires="p14">
       <p:transition spd="slow" p14:dur="3400">
         <p14:reveal/>
       </p:transition>
     </mc:Choice>
-    <mc:Fallback>
+    <mc:Fallback xmlns="">
       <p:transition spd="slow">
         <p:fade/>
       </p:transition>
@@ -13075,13 +13085,722 @@
   <p:clrMapOvr>
     <a:masterClrMapping/>
   </p:clrMapOvr>
-  <mc:AlternateContent xmlns:mc="http://schemas.openxmlformats.org/markup-compatibility/2006">
-    <mc:Choice xmlns:p14="http://schemas.microsoft.com/office/powerpoint/2010/main" Requires="p14">
+  <mc:AlternateContent xmlns:mc="http://schemas.openxmlformats.org/markup-compatibility/2006" xmlns:p14="http://schemas.microsoft.com/office/powerpoint/2010/main">
+    <mc:Choice Requires="p14">
       <p:transition spd="slow" p14:dur="3400">
         <p14:reveal/>
       </p:transition>
     </mc:Choice>
-    <mc:Fallback>
+    <mc:Fallback xmlns="">
+      <p:transition spd="slow">
+        <p:fade/>
+      </p:transition>
+    </mc:Fallback>
+  </mc:AlternateContent>
+</p:sld>
+</file>
+
+<file path=ppt/slides/slide10.xml><?xml version="1.0" encoding="utf-8"?>
+<p:sld xmlns:a="http://schemas.openxmlformats.org/drawingml/2006/main" xmlns:r="http://schemas.openxmlformats.org/officeDocument/2006/relationships" xmlns:p="http://schemas.openxmlformats.org/presentationml/2006/main">
+  <p:cSld>
+    <p:spTree>
+      <p:nvGrpSpPr>
+        <p:cNvPr id="1" name=""/>
+        <p:cNvGrpSpPr/>
+        <p:nvPr/>
+      </p:nvGrpSpPr>
+      <p:grpSpPr>
+        <a:xfrm>
+          <a:off x="0" y="0"/>
+          <a:ext cx="0" cy="0"/>
+          <a:chOff x="0" y="0"/>
+          <a:chExt cx="0" cy="0"/>
+        </a:xfrm>
+      </p:grpSpPr>
+      <p:sp>
+        <p:nvSpPr>
+          <p:cNvPr id="2" name="Título 1">
+            <a:extLst>
+              <a:ext uri="{FF2B5EF4-FFF2-40B4-BE49-F238E27FC236}">
+                <a16:creationId xmlns:a16="http://schemas.microsoft.com/office/drawing/2014/main" id="{07584D92-1CFE-91D7-F012-26D90F0A2048}"/>
+              </a:ext>
+            </a:extLst>
+          </p:cNvPr>
+          <p:cNvSpPr>
+            <a:spLocks noGrp="1"/>
+          </p:cNvSpPr>
+          <p:nvPr>
+            <p:ph type="title"/>
+          </p:nvPr>
+        </p:nvSpPr>
+        <p:spPr/>
+        <p:txBody>
+          <a:bodyPr>
+            <a:normAutofit/>
+          </a:bodyPr>
+          <a:lstStyle/>
+          <a:p>
+            <a:pPr algn="ctr"/>
+            <a:r>
+              <a:rPr lang="pt-BR" dirty="0"/>
+              <a:t> Livre Acesso, Qualidade dos Dados e Transparência</a:t>
+            </a:r>
+          </a:p>
+        </p:txBody>
+      </p:sp>
+      <p:sp>
+        <p:nvSpPr>
+          <p:cNvPr id="3" name="Espaço Reservado para Conteúdo 2">
+            <a:extLst>
+              <a:ext uri="{FF2B5EF4-FFF2-40B4-BE49-F238E27FC236}">
+                <a16:creationId xmlns:a16="http://schemas.microsoft.com/office/drawing/2014/main" id="{C40FDDEC-DFAE-2DAD-0883-B6DFD3E69BA7}"/>
+              </a:ext>
+            </a:extLst>
+          </p:cNvPr>
+          <p:cNvSpPr>
+            <a:spLocks noGrp="1"/>
+          </p:cNvSpPr>
+          <p:nvPr>
+            <p:ph idx="1"/>
+          </p:nvPr>
+        </p:nvSpPr>
+        <p:spPr/>
+        <p:txBody>
+          <a:bodyPr>
+            <a:normAutofit fontScale="62500" lnSpcReduction="20000"/>
+          </a:bodyPr>
+          <a:lstStyle/>
+          <a:p>
+            <a:r>
+              <a:rPr lang="pt-BR" dirty="0"/>
+              <a:t>Princípio do livre acesso dos dados</a:t>
+            </a:r>
+          </a:p>
+          <a:p>
+            <a:r>
+              <a:rPr lang="pt-BR" dirty="0"/>
+              <a:t>O livre acesso dos dados corresponde à garantia, aos titulares, de consulta facilitada e gratuita sobre a forma e a duração do tratamento, bem como sobre a integralidade de seus dados pessoais.</a:t>
+            </a:r>
+          </a:p>
+          <a:p>
+            <a:endParaRPr lang="pt-BR" dirty="0"/>
+          </a:p>
+          <a:p>
+            <a:r>
+              <a:rPr lang="pt-BR" dirty="0"/>
+              <a:t>Princípio da qualidade dos dados</a:t>
+            </a:r>
+          </a:p>
+          <a:p>
+            <a:r>
+              <a:rPr lang="pt-BR" dirty="0"/>
+              <a:t>A qualidade dos dados significa garantir, aos titulares, exatidão, clareza, relevância e atualização dos dados, de acordo com a necessidade e para o cumprimento da finalidade de seu tratamento;</a:t>
+            </a:r>
+          </a:p>
+          <a:p>
+            <a:endParaRPr lang="pt-BR" dirty="0"/>
+          </a:p>
+          <a:p>
+            <a:r>
+              <a:rPr lang="pt-BR" dirty="0"/>
+              <a:t>Princípio da transparência dos dados</a:t>
+            </a:r>
+          </a:p>
+          <a:p>
+            <a:r>
+              <a:rPr lang="pt-BR" dirty="0"/>
+              <a:t>Por fim, a transparência se traduz em garantir, aos titulares,  informações claras, precisas e facilmente acessíveis sobre a realização do tratamento e os respectivos agentes de tratamento, observados os segredos comercial e industrial.</a:t>
+            </a:r>
+          </a:p>
+        </p:txBody>
+      </p:sp>
+      <p:pic>
+        <p:nvPicPr>
+          <p:cNvPr id="4098" name="Picture 2" descr="Advogada aprendendo tudo sobre princípios da LGPD">
+            <a:extLst>
+              <a:ext uri="{FF2B5EF4-FFF2-40B4-BE49-F238E27FC236}">
+                <a16:creationId xmlns:a16="http://schemas.microsoft.com/office/drawing/2014/main" id="{BE77E807-508D-CD1C-7966-4E15393C2EF5}"/>
+              </a:ext>
+            </a:extLst>
+          </p:cNvPr>
+          <p:cNvPicPr>
+            <a:picLocks noChangeAspect="1" noChangeArrowheads="1"/>
+          </p:cNvPicPr>
+          <p:nvPr/>
+        </p:nvPicPr>
+        <p:blipFill>
+          <a:blip r:embed="rId2">
+            <a:extLst>
+              <a:ext uri="{28A0092B-C50C-407E-A947-70E740481C1C}">
+                <a14:useLocalDpi xmlns:a14="http://schemas.microsoft.com/office/drawing/2010/main" val="0"/>
+              </a:ext>
+            </a:extLst>
+          </a:blip>
+          <a:srcRect/>
+          <a:stretch>
+            <a:fillRect/>
+          </a:stretch>
+        </p:blipFill>
+        <p:spPr bwMode="auto">
+          <a:xfrm>
+            <a:off x="10195764" y="788894"/>
+            <a:ext cx="1703293" cy="1559859"/>
+          </a:xfrm>
+          <a:prstGeom prst="rect">
+            <a:avLst/>
+          </a:prstGeom>
+          <a:noFill/>
+          <a:extLst>
+            <a:ext uri="{909E8E84-426E-40DD-AFC4-6F175D3DCCD1}">
+              <a14:hiddenFill xmlns:a14="http://schemas.microsoft.com/office/drawing/2010/main">
+                <a:solidFill>
+                  <a:srgbClr val="FFFFFF"/>
+                </a:solidFill>
+              </a14:hiddenFill>
+            </a:ext>
+          </a:extLst>
+        </p:spPr>
+      </p:pic>
+    </p:spTree>
+    <p:extLst>
+      <p:ext uri="{BB962C8B-B14F-4D97-AF65-F5344CB8AC3E}">
+        <p14:creationId xmlns:p14="http://schemas.microsoft.com/office/powerpoint/2010/main" val="3965716212"/>
+      </p:ext>
+    </p:extLst>
+  </p:cSld>
+  <p:clrMapOvr>
+    <a:masterClrMapping/>
+  </p:clrMapOvr>
+  <mc:AlternateContent xmlns:mc="http://schemas.openxmlformats.org/markup-compatibility/2006" xmlns:p14="http://schemas.microsoft.com/office/powerpoint/2010/main">
+    <mc:Choice Requires="p14">
+      <p:transition spd="slow" p14:dur="3400">
+        <p14:reveal/>
+      </p:transition>
+    </mc:Choice>
+    <mc:Fallback xmlns="">
+      <p:transition spd="slow">
+        <p:fade/>
+      </p:transition>
+    </mc:Fallback>
+  </mc:AlternateContent>
+</p:sld>
+</file>
+
+<file path=ppt/slides/slide11.xml><?xml version="1.0" encoding="utf-8"?>
+<p:sld xmlns:a="http://schemas.openxmlformats.org/drawingml/2006/main" xmlns:r="http://schemas.openxmlformats.org/officeDocument/2006/relationships" xmlns:p="http://schemas.openxmlformats.org/presentationml/2006/main">
+  <p:cSld>
+    <p:spTree>
+      <p:nvGrpSpPr>
+        <p:cNvPr id="1" name=""/>
+        <p:cNvGrpSpPr/>
+        <p:nvPr/>
+      </p:nvGrpSpPr>
+      <p:grpSpPr>
+        <a:xfrm>
+          <a:off x="0" y="0"/>
+          <a:ext cx="0" cy="0"/>
+          <a:chOff x="0" y="0"/>
+          <a:chExt cx="0" cy="0"/>
+        </a:xfrm>
+      </p:grpSpPr>
+      <p:sp>
+        <p:nvSpPr>
+          <p:cNvPr id="2" name="Título 1">
+            <a:extLst>
+              <a:ext uri="{FF2B5EF4-FFF2-40B4-BE49-F238E27FC236}">
+                <a16:creationId xmlns:a16="http://schemas.microsoft.com/office/drawing/2014/main" id="{82375706-C6B5-7E52-503B-38FAADEE4160}"/>
+              </a:ext>
+            </a:extLst>
+          </p:cNvPr>
+          <p:cNvSpPr>
+            <a:spLocks noGrp="1"/>
+          </p:cNvSpPr>
+          <p:nvPr>
+            <p:ph type="title"/>
+          </p:nvPr>
+        </p:nvSpPr>
+        <p:spPr/>
+        <p:txBody>
+          <a:bodyPr>
+            <a:normAutofit fontScale="90000"/>
+          </a:bodyPr>
+          <a:lstStyle/>
+          <a:p>
+            <a:r>
+              <a:rPr lang="pt-BR" dirty="0"/>
+              <a:t>Livre Acesso, Qualidade dos Dados e Transparência e Consentimento: Qual a relação?</a:t>
+            </a:r>
+          </a:p>
+        </p:txBody>
+      </p:sp>
+      <p:sp>
+        <p:nvSpPr>
+          <p:cNvPr id="3" name="Espaço Reservado para Conteúdo 2">
+            <a:extLst>
+              <a:ext uri="{FF2B5EF4-FFF2-40B4-BE49-F238E27FC236}">
+                <a16:creationId xmlns:a16="http://schemas.microsoft.com/office/drawing/2014/main" id="{4DB70AA6-69ED-863A-8555-CB0B22211E01}"/>
+              </a:ext>
+            </a:extLst>
+          </p:cNvPr>
+          <p:cNvSpPr>
+            <a:spLocks noGrp="1"/>
+          </p:cNvSpPr>
+          <p:nvPr>
+            <p:ph idx="1"/>
+          </p:nvPr>
+        </p:nvSpPr>
+        <p:spPr/>
+        <p:txBody>
+          <a:bodyPr/>
+          <a:lstStyle/>
+          <a:p>
+            <a:r>
+              <a:rPr lang="pt-BR" dirty="0"/>
+              <a:t>Temos aqui pressupostos ao consentimento dos usuários, uma vez que esse ato somente será válido se conhecerem claramente quais dados estão dispondo.</a:t>
+            </a:r>
+          </a:p>
+          <a:p>
+            <a:r>
+              <a:rPr lang="pt-BR" dirty="0"/>
+              <a:t>Lembrando que o consentimento do usuário deve ser requerido a cada atualização de uso dos dados, mantendo o livre acesso, a qualidade dos dados e a transparência.</a:t>
+            </a:r>
+          </a:p>
+          <a:p>
+            <a:r>
+              <a:rPr lang="pt-BR" dirty="0"/>
+              <a:t>Somente assim a anuência do titular será livre e espontânea.</a:t>
+            </a:r>
+          </a:p>
+        </p:txBody>
+      </p:sp>
+    </p:spTree>
+    <p:extLst>
+      <p:ext uri="{BB962C8B-B14F-4D97-AF65-F5344CB8AC3E}">
+        <p14:creationId xmlns:p14="http://schemas.microsoft.com/office/powerpoint/2010/main" val="3641822925"/>
+      </p:ext>
+    </p:extLst>
+  </p:cSld>
+  <p:clrMapOvr>
+    <a:masterClrMapping/>
+  </p:clrMapOvr>
+  <mc:AlternateContent xmlns:mc="http://schemas.openxmlformats.org/markup-compatibility/2006" xmlns:p14="http://schemas.microsoft.com/office/powerpoint/2010/main">
+    <mc:Choice Requires="p14">
+      <p:transition spd="slow" p14:dur="3400">
+        <p14:reveal/>
+      </p:transition>
+    </mc:Choice>
+    <mc:Fallback xmlns="">
+      <p:transition spd="slow">
+        <p:fade/>
+      </p:transition>
+    </mc:Fallback>
+  </mc:AlternateContent>
+</p:sld>
+</file>
+
+<file path=ppt/slides/slide12.xml><?xml version="1.0" encoding="utf-8"?>
+<p:sld xmlns:a="http://schemas.openxmlformats.org/drawingml/2006/main" xmlns:r="http://schemas.openxmlformats.org/officeDocument/2006/relationships" xmlns:p="http://schemas.openxmlformats.org/presentationml/2006/main">
+  <p:cSld>
+    <p:spTree>
+      <p:nvGrpSpPr>
+        <p:cNvPr id="1" name=""/>
+        <p:cNvGrpSpPr/>
+        <p:nvPr/>
+      </p:nvGrpSpPr>
+      <p:grpSpPr>
+        <a:xfrm>
+          <a:off x="0" y="0"/>
+          <a:ext cx="0" cy="0"/>
+          <a:chOff x="0" y="0"/>
+          <a:chExt cx="0" cy="0"/>
+        </a:xfrm>
+      </p:grpSpPr>
+      <p:sp>
+        <p:nvSpPr>
+          <p:cNvPr id="2" name="Título 1">
+            <a:extLst>
+              <a:ext uri="{FF2B5EF4-FFF2-40B4-BE49-F238E27FC236}">
+                <a16:creationId xmlns:a16="http://schemas.microsoft.com/office/drawing/2014/main" id="{272D63F6-16D3-0D07-C884-1462D69831FA}"/>
+              </a:ext>
+            </a:extLst>
+          </p:cNvPr>
+          <p:cNvSpPr>
+            <a:spLocks noGrp="1"/>
+          </p:cNvSpPr>
+          <p:nvPr>
+            <p:ph type="title"/>
+          </p:nvPr>
+        </p:nvSpPr>
+        <p:spPr/>
+        <p:txBody>
+          <a:bodyPr>
+            <a:normAutofit/>
+          </a:bodyPr>
+          <a:lstStyle/>
+          <a:p>
+            <a:pPr algn="ctr"/>
+            <a:r>
+              <a:rPr lang="pt-BR" dirty="0"/>
+              <a:t>Segurança, Prevenção e Não Discriminação</a:t>
+            </a:r>
+          </a:p>
+        </p:txBody>
+      </p:sp>
+      <p:sp>
+        <p:nvSpPr>
+          <p:cNvPr id="3" name="Espaço Reservado para Conteúdo 2">
+            <a:extLst>
+              <a:ext uri="{FF2B5EF4-FFF2-40B4-BE49-F238E27FC236}">
+                <a16:creationId xmlns:a16="http://schemas.microsoft.com/office/drawing/2014/main" id="{A3DFEF75-A147-C1AC-8448-CC20512DA738}"/>
+              </a:ext>
+            </a:extLst>
+          </p:cNvPr>
+          <p:cNvSpPr>
+            <a:spLocks noGrp="1"/>
+          </p:cNvSpPr>
+          <p:nvPr>
+            <p:ph idx="1"/>
+          </p:nvPr>
+        </p:nvSpPr>
+        <p:spPr>
+          <a:xfrm>
+            <a:off x="1266917" y="1757082"/>
+            <a:ext cx="9905999" cy="4849906"/>
+          </a:xfrm>
+        </p:spPr>
+        <p:txBody>
+          <a:bodyPr>
+            <a:normAutofit lnSpcReduction="10000"/>
+          </a:bodyPr>
+          <a:lstStyle/>
+          <a:p>
+            <a:pPr algn="l" fontAlgn="base"/>
+            <a:endParaRPr lang="pt-BR" sz="1400" b="0" i="0" dirty="0">
+              <a:solidFill>
+                <a:srgbClr val="666666"/>
+              </a:solidFill>
+              <a:effectLst/>
+              <a:highlight>
+                <a:srgbClr val="FFFFFF"/>
+              </a:highlight>
+              <a:latin typeface="open sans" panose="020B0606030504020204" pitchFamily="34" charset="0"/>
+            </a:endParaRPr>
+          </a:p>
+          <a:p>
+            <a:r>
+              <a:rPr lang="pt-BR" dirty="0"/>
+              <a:t>A segurança, como vimos, diz respeito ao uso de medidas técnicas e administrativas aptas a proteger  os dados pessoais de acessos não autorizados e de situações acidentais ou ilícitas de destruição, perda, alteração, comunicação ou difusão.</a:t>
+            </a:r>
+          </a:p>
+          <a:p>
+            <a:r>
+              <a:rPr lang="pt-BR" dirty="0"/>
+              <a:t>A prevenção corresponde a adoção de medidas para prevenir a ocorrência de danos em virtude do tratamento de dados pessoais.</a:t>
+            </a:r>
+          </a:p>
+          <a:p>
+            <a:r>
+              <a:rPr lang="pt-BR" dirty="0"/>
+              <a:t>Já a não discriminação significa a impossibilidade de realização do tratamento para fins discriminatórios ilícitos ou abusivos.</a:t>
+            </a:r>
+          </a:p>
+          <a:p>
+            <a:r>
+              <a:rPr lang="pt-BR" dirty="0"/>
+              <a:t>Nesse sentido, é preciso observar atentamente se a pessoa jurídica está se utilizando de mecanismos adequados e suficientes à proteção de dados.</a:t>
+            </a:r>
+          </a:p>
+        </p:txBody>
+      </p:sp>
+      <p:pic>
+        <p:nvPicPr>
+          <p:cNvPr id="5124" name="Picture 4">
+            <a:extLst>
+              <a:ext uri="{FF2B5EF4-FFF2-40B4-BE49-F238E27FC236}">
+                <a16:creationId xmlns:a16="http://schemas.microsoft.com/office/drawing/2014/main" id="{858C67DE-0BA2-387B-5446-B5FFAA7C91E5}"/>
+              </a:ext>
+            </a:extLst>
+          </p:cNvPr>
+          <p:cNvPicPr>
+            <a:picLocks noChangeAspect="1" noChangeArrowheads="1"/>
+          </p:cNvPicPr>
+          <p:nvPr/>
+        </p:nvPicPr>
+        <p:blipFill>
+          <a:blip r:embed="rId2">
+            <a:extLst>
+              <a:ext uri="{28A0092B-C50C-407E-A947-70E740481C1C}">
+                <a14:useLocalDpi xmlns:a14="http://schemas.microsoft.com/office/drawing/2010/main" val="0"/>
+              </a:ext>
+            </a:extLst>
+          </a:blip>
+          <a:srcRect/>
+          <a:stretch>
+            <a:fillRect/>
+          </a:stretch>
+        </p:blipFill>
+        <p:spPr bwMode="auto">
+          <a:xfrm>
+            <a:off x="10103224" y="1757082"/>
+            <a:ext cx="1945339" cy="2079812"/>
+          </a:xfrm>
+          <a:prstGeom prst="rect">
+            <a:avLst/>
+          </a:prstGeom>
+          <a:noFill/>
+          <a:extLst>
+            <a:ext uri="{909E8E84-426E-40DD-AFC4-6F175D3DCCD1}">
+              <a14:hiddenFill xmlns:a14="http://schemas.microsoft.com/office/drawing/2010/main">
+                <a:solidFill>
+                  <a:srgbClr val="FFFFFF"/>
+                </a:solidFill>
+              </a14:hiddenFill>
+            </a:ext>
+          </a:extLst>
+        </p:spPr>
+      </p:pic>
+    </p:spTree>
+    <p:extLst>
+      <p:ext uri="{BB962C8B-B14F-4D97-AF65-F5344CB8AC3E}">
+        <p14:creationId xmlns:p14="http://schemas.microsoft.com/office/powerpoint/2010/main" val="3891159016"/>
+      </p:ext>
+    </p:extLst>
+  </p:cSld>
+  <p:clrMapOvr>
+    <a:masterClrMapping/>
+  </p:clrMapOvr>
+  <mc:AlternateContent xmlns:mc="http://schemas.openxmlformats.org/markup-compatibility/2006" xmlns:p14="http://schemas.microsoft.com/office/powerpoint/2010/main">
+    <mc:Choice Requires="p14">
+      <p:transition spd="slow" p14:dur="3400">
+        <p14:reveal/>
+      </p:transition>
+    </mc:Choice>
+    <mc:Fallback xmlns="">
+      <p:transition spd="slow">
+        <p:fade/>
+      </p:transition>
+    </mc:Fallback>
+  </mc:AlternateContent>
+</p:sld>
+</file>
+
+<file path=ppt/slides/slide13.xml><?xml version="1.0" encoding="utf-8"?>
+<p:sld xmlns:a="http://schemas.openxmlformats.org/drawingml/2006/main" xmlns:r="http://schemas.openxmlformats.org/officeDocument/2006/relationships" xmlns:p="http://schemas.openxmlformats.org/presentationml/2006/main">
+  <p:cSld>
+    <p:spTree>
+      <p:nvGrpSpPr>
+        <p:cNvPr id="1" name=""/>
+        <p:cNvGrpSpPr/>
+        <p:nvPr/>
+      </p:nvGrpSpPr>
+      <p:grpSpPr>
+        <a:xfrm>
+          <a:off x="0" y="0"/>
+          <a:ext cx="0" cy="0"/>
+          <a:chOff x="0" y="0"/>
+          <a:chExt cx="0" cy="0"/>
+        </a:xfrm>
+      </p:grpSpPr>
+      <p:sp>
+        <p:nvSpPr>
+          <p:cNvPr id="2" name="Título 1">
+            <a:extLst>
+              <a:ext uri="{FF2B5EF4-FFF2-40B4-BE49-F238E27FC236}">
+                <a16:creationId xmlns:a16="http://schemas.microsoft.com/office/drawing/2014/main" id="{2E129B2E-1528-1159-7243-F0E1936A9913}"/>
+              </a:ext>
+            </a:extLst>
+          </p:cNvPr>
+          <p:cNvSpPr>
+            <a:spLocks noGrp="1"/>
+          </p:cNvSpPr>
+          <p:nvPr>
+            <p:ph type="title"/>
+          </p:nvPr>
+        </p:nvSpPr>
+        <p:spPr>
+          <a:xfrm>
+            <a:off x="1141413" y="618518"/>
+            <a:ext cx="9905998" cy="1030988"/>
+          </a:xfrm>
+        </p:spPr>
+        <p:txBody>
+          <a:bodyPr>
+            <a:normAutofit/>
+          </a:bodyPr>
+          <a:lstStyle/>
+          <a:p>
+            <a:pPr algn="ctr"/>
+            <a:r>
+              <a:rPr lang="pt-BR" dirty="0"/>
+              <a:t> Responsabilização e Prestação de Contas</a:t>
+            </a:r>
+          </a:p>
+        </p:txBody>
+      </p:sp>
+      <p:sp>
+        <p:nvSpPr>
+          <p:cNvPr id="3" name="Espaço Reservado para Conteúdo 2">
+            <a:extLst>
+              <a:ext uri="{FF2B5EF4-FFF2-40B4-BE49-F238E27FC236}">
+                <a16:creationId xmlns:a16="http://schemas.microsoft.com/office/drawing/2014/main" id="{D815DE77-A5D6-D764-9335-827F742D73BA}"/>
+              </a:ext>
+            </a:extLst>
+          </p:cNvPr>
+          <p:cNvSpPr>
+            <a:spLocks noGrp="1"/>
+          </p:cNvSpPr>
+          <p:nvPr>
+            <p:ph idx="1"/>
+          </p:nvPr>
+        </p:nvSpPr>
+        <p:spPr>
+          <a:xfrm>
+            <a:off x="1141412" y="1936377"/>
+            <a:ext cx="9905999" cy="4805082"/>
+          </a:xfrm>
+        </p:spPr>
+        <p:txBody>
+          <a:bodyPr/>
+          <a:lstStyle/>
+          <a:p>
+            <a:r>
+              <a:rPr lang="pt-BR" sz="1400" dirty="0"/>
+              <a:t>A responsabilização e prestação de contas são estabelecidos no art. 6, inc. X da LGPD  com o seguinte objetivo:</a:t>
+            </a:r>
+          </a:p>
+          <a:p>
+            <a:r>
+              <a:rPr lang="pt-BR" sz="1400" dirty="0"/>
+              <a:t>Tornar obrigatória a demonstração, pelo agente, da adoção de medidas eficazes e capazes de comprovar a observância e o cumprimento das normas de proteção de dados pessoais e, inclusive, da eficácia dessas medidas.</a:t>
+            </a:r>
+          </a:p>
+          <a:p>
+            <a:r>
+              <a:rPr lang="pt-BR" sz="1400" dirty="0"/>
+              <a:t>A concretização da prestação de contas se dá na obrigatoriedade de entrega de relatório à ANPD e, também, deve estar claro para o usuário que seus dados estão bem protegidos.</a:t>
+            </a:r>
+          </a:p>
+          <a:p>
+            <a:r>
+              <a:rPr lang="pt-BR" sz="1400" dirty="0"/>
+              <a:t>Logo, a própria elaboração da política de proteção de dados deve ter tais informações, como discutiremos no próximo passo</a:t>
+            </a:r>
+          </a:p>
+          <a:p>
+            <a:r>
+              <a:rPr lang="pt-BR" sz="1400" dirty="0"/>
+              <a:t>Quanto a entrega do relatório, ela é especificada nos seguintes dispositivos da LGPD:</a:t>
+            </a:r>
+          </a:p>
+          <a:p>
+            <a:r>
+              <a:rPr lang="pt-BR" sz="1400" dirty="0"/>
+              <a:t>Art. 5 XVII – relatório de impacto à proteção de dados pessoais: documentação do controlador que contém a descrição dos processos de tratamento de dados pessoais que podem gerar riscos às liberdades civis e aos direitos fundamentais, bem como medidas, salvaguardas e mecanismos de mitigação de risco; </a:t>
+            </a:r>
+          </a:p>
+          <a:p>
+            <a:r>
+              <a:rPr lang="pt-BR" sz="1400" dirty="0"/>
+              <a:t>Art. 10 § 3º A autoridade nacional poderá solicitar ao controlador relatório de impacto à proteção de dados pessoais, quando o tratamento tiver como fundamento seu interesse legítimo, observados os segredos comercial e industrial.</a:t>
+            </a:r>
+          </a:p>
+        </p:txBody>
+      </p:sp>
+    </p:spTree>
+    <p:extLst>
+      <p:ext uri="{BB962C8B-B14F-4D97-AF65-F5344CB8AC3E}">
+        <p14:creationId xmlns:p14="http://schemas.microsoft.com/office/powerpoint/2010/main" val="4115696212"/>
+      </p:ext>
+    </p:extLst>
+  </p:cSld>
+  <p:clrMapOvr>
+    <a:masterClrMapping/>
+  </p:clrMapOvr>
+  <mc:AlternateContent xmlns:mc="http://schemas.openxmlformats.org/markup-compatibility/2006" xmlns:p14="http://schemas.microsoft.com/office/powerpoint/2010/main">
+    <mc:Choice Requires="p14">
+      <p:transition spd="slow" p14:dur="3400">
+        <p14:reveal/>
+      </p:transition>
+    </mc:Choice>
+    <mc:Fallback xmlns="">
+      <p:transition spd="slow">
+        <p:fade/>
+      </p:transition>
+    </mc:Fallback>
+  </mc:AlternateContent>
+</p:sld>
+</file>
+
+<file path=ppt/slides/slide14.xml><?xml version="1.0" encoding="utf-8"?>
+<p:sld xmlns:a="http://schemas.openxmlformats.org/drawingml/2006/main" xmlns:r="http://schemas.openxmlformats.org/officeDocument/2006/relationships" xmlns:p="http://schemas.openxmlformats.org/presentationml/2006/main">
+  <p:cSld>
+    <p:spTree>
+      <p:nvGrpSpPr>
+        <p:cNvPr id="1" name=""/>
+        <p:cNvGrpSpPr/>
+        <p:nvPr/>
+      </p:nvGrpSpPr>
+      <p:grpSpPr>
+        <a:xfrm>
+          <a:off x="0" y="0"/>
+          <a:ext cx="0" cy="0"/>
+          <a:chOff x="0" y="0"/>
+          <a:chExt cx="0" cy="0"/>
+        </a:xfrm>
+      </p:grpSpPr>
+      <p:sp>
+        <p:nvSpPr>
+          <p:cNvPr id="2" name="Título 1">
+            <a:extLst>
+              <a:ext uri="{FF2B5EF4-FFF2-40B4-BE49-F238E27FC236}">
+                <a16:creationId xmlns:a16="http://schemas.microsoft.com/office/drawing/2014/main" id="{7F562965-EA40-71BE-8E80-A52DA5358AAC}"/>
+              </a:ext>
+            </a:extLst>
+          </p:cNvPr>
+          <p:cNvSpPr>
+            <a:spLocks noGrp="1"/>
+          </p:cNvSpPr>
+          <p:nvPr>
+            <p:ph type="title"/>
+          </p:nvPr>
+        </p:nvSpPr>
+        <p:spPr>
+          <a:xfrm>
+            <a:off x="1141413" y="618518"/>
+            <a:ext cx="9905998" cy="5020282"/>
+          </a:xfrm>
+        </p:spPr>
+        <p:txBody>
+          <a:bodyPr>
+            <a:normAutofit/>
+          </a:bodyPr>
+          <a:lstStyle/>
+          <a:p>
+            <a:pPr algn="ctr"/>
+            <a:r>
+              <a:rPr lang="pt-BR" sz="9600" dirty="0"/>
+              <a:t>FIM</a:t>
+            </a:r>
+          </a:p>
+        </p:txBody>
+      </p:sp>
+    </p:spTree>
+    <p:extLst>
+      <p:ext uri="{BB962C8B-B14F-4D97-AF65-F5344CB8AC3E}">
+        <p14:creationId xmlns:p14="http://schemas.microsoft.com/office/powerpoint/2010/main" val="1715106240"/>
+      </p:ext>
+    </p:extLst>
+  </p:cSld>
+  <p:clrMapOvr>
+    <a:masterClrMapping/>
+  </p:clrMapOvr>
+  <mc:AlternateContent xmlns:mc="http://schemas.openxmlformats.org/markup-compatibility/2006" xmlns:p14="http://schemas.microsoft.com/office/powerpoint/2010/main">
+    <mc:Choice Requires="p14">
+      <p:transition spd="slow" p14:dur="3400">
+        <p14:reveal/>
+      </p:transition>
+    </mc:Choice>
+    <mc:Fallback xmlns="">
       <p:transition spd="slow">
         <p:fade/>
       </p:transition>
@@ -13091,6 +13810,107 @@
 </file>
 
 <file path=ppt/slides/slide2.xml><?xml version="1.0" encoding="utf-8"?>
+<p:sld xmlns:a="http://schemas.openxmlformats.org/drawingml/2006/main" xmlns:r="http://schemas.openxmlformats.org/officeDocument/2006/relationships" xmlns:p="http://schemas.openxmlformats.org/presentationml/2006/main">
+  <p:cSld>
+    <p:spTree>
+      <p:nvGrpSpPr>
+        <p:cNvPr id="1" name=""/>
+        <p:cNvGrpSpPr/>
+        <p:nvPr/>
+      </p:nvGrpSpPr>
+      <p:grpSpPr>
+        <a:xfrm>
+          <a:off x="0" y="0"/>
+          <a:ext cx="0" cy="0"/>
+          <a:chOff x="0" y="0"/>
+          <a:chExt cx="0" cy="0"/>
+        </a:xfrm>
+      </p:grpSpPr>
+      <p:sp>
+        <p:nvSpPr>
+          <p:cNvPr id="2" name="Título 1">
+            <a:extLst>
+              <a:ext uri="{FF2B5EF4-FFF2-40B4-BE49-F238E27FC236}">
+                <a16:creationId xmlns:a16="http://schemas.microsoft.com/office/drawing/2014/main" id="{6A25D0A3-3D7B-E5BB-A04B-B9B6408B82A5}"/>
+              </a:ext>
+            </a:extLst>
+          </p:cNvPr>
+          <p:cNvSpPr>
+            <a:spLocks noGrp="1"/>
+          </p:cNvSpPr>
+          <p:nvPr>
+            <p:ph type="title"/>
+          </p:nvPr>
+        </p:nvSpPr>
+        <p:spPr/>
+        <p:txBody>
+          <a:bodyPr>
+            <a:normAutofit/>
+          </a:bodyPr>
+          <a:lstStyle/>
+          <a:p>
+            <a:pPr algn="ctr"/>
+            <a:r>
+              <a:rPr lang="pt-BR" sz="4400" dirty="0"/>
+              <a:t>Como surgiu</a:t>
+            </a:r>
+          </a:p>
+        </p:txBody>
+      </p:sp>
+      <p:sp>
+        <p:nvSpPr>
+          <p:cNvPr id="3" name="Espaço Reservado para Conteúdo 2">
+            <a:extLst>
+              <a:ext uri="{FF2B5EF4-FFF2-40B4-BE49-F238E27FC236}">
+                <a16:creationId xmlns:a16="http://schemas.microsoft.com/office/drawing/2014/main" id="{42C00E54-565D-50F7-8482-B96FBD48B24C}"/>
+              </a:ext>
+            </a:extLst>
+          </p:cNvPr>
+          <p:cNvSpPr>
+            <a:spLocks noGrp="1"/>
+          </p:cNvSpPr>
+          <p:nvPr>
+            <p:ph idx="1"/>
+          </p:nvPr>
+        </p:nvSpPr>
+        <p:spPr/>
+        <p:txBody>
+          <a:bodyPr/>
+          <a:lstStyle/>
+          <a:p>
+            <a:r>
+              <a:rPr lang="pt-BR" dirty="0"/>
+              <a:t>A LGPD foi inspirada na legislação europeia, mais especificamente no Regulamento Geral de Proteção de Dados (GDPR), e busca assegurar direitos fundamentais dos indivíduos, como a privacidade e a autodeterminação informativa. Com a entrada em vigor da LGPD em setembro de 2020, empresas de todos os segmentos e portes precisaram se adequar às novas exigências, sob pena de sofrerem sanções e penalidades caso descumpram a legislação.</a:t>
+            </a:r>
+          </a:p>
+        </p:txBody>
+      </p:sp>
+    </p:spTree>
+    <p:extLst>
+      <p:ext uri="{BB962C8B-B14F-4D97-AF65-F5344CB8AC3E}">
+        <p14:creationId xmlns:p14="http://schemas.microsoft.com/office/powerpoint/2010/main" val="1943412033"/>
+      </p:ext>
+    </p:extLst>
+  </p:cSld>
+  <p:clrMapOvr>
+    <a:masterClrMapping/>
+  </p:clrMapOvr>
+  <mc:AlternateContent xmlns:mc="http://schemas.openxmlformats.org/markup-compatibility/2006" xmlns:p14="http://schemas.microsoft.com/office/powerpoint/2010/main">
+    <mc:Choice Requires="p14">
+      <p:transition spd="slow" p14:dur="3400">
+        <p14:reveal/>
+      </p:transition>
+    </mc:Choice>
+    <mc:Fallback xmlns="">
+      <p:transition spd="slow">
+        <p:fade/>
+      </p:transition>
+    </mc:Fallback>
+  </mc:AlternateContent>
+</p:sld>
+</file>
+
+<file path=ppt/slides/slide3.xml><?xml version="1.0" encoding="utf-8"?>
 <p:sld xmlns:a="http://schemas.openxmlformats.org/drawingml/2006/main" xmlns:r="http://schemas.openxmlformats.org/officeDocument/2006/relationships" xmlns:p="http://schemas.openxmlformats.org/presentationml/2006/main">
   <p:cSld>
     <p:spTree>
@@ -13157,125 +13977,20 @@
         <p:spPr/>
         <p:txBody>
           <a:bodyPr>
-            <a:normAutofit fontScale="62500" lnSpcReduction="20000"/>
+            <a:normAutofit lnSpcReduction="10000"/>
           </a:bodyPr>
           <a:lstStyle/>
           <a:p>
-            <a:pPr algn="l" fontAlgn="base"/>
             <a:r>
-              <a:rPr lang="pt-BR" b="0" i="0" dirty="0">
-                <a:solidFill>
-                  <a:srgbClr val="505050"/>
-                </a:solidFill>
-                <a:effectLst/>
-                <a:highlight>
-                  <a:srgbClr val="FFFFFF"/>
-                </a:highlight>
-                <a:latin typeface="Titillium Web" panose="020F0502020204030204" pitchFamily="2" charset="0"/>
-              </a:rPr>
+              <a:rPr lang="pt-BR" dirty="0"/>
               <a:t>O que é a LGPD?</a:t>
             </a:r>
           </a:p>
           <a:p>
-            <a:pPr algn="just" fontAlgn="base"/>
             <a:r>
-              <a:rPr lang="pt-BR" b="0" i="0" dirty="0">
-                <a:solidFill>
-                  <a:srgbClr val="000000"/>
-                </a:solidFill>
-                <a:effectLst/>
-                <a:highlight>
-                  <a:srgbClr val="FFFFFF"/>
-                </a:highlight>
-                <a:latin typeface="Titillium Web" panose="020F0502020204030204" pitchFamily="2" charset="0"/>
-              </a:rPr>
-              <a:t>A</a:t>
+              <a:rPr lang="pt-BR" dirty="0"/>
+              <a:t>A Lei Geral de Proteção de Dados (13.709/2018) tem como principal objetivo proteger os direitos fundamentais de liberdade e de privacidade e o livre desenvolvimento da personalidade da pessoa natural. Também tem como foco a criação de um cenário de segurança jurídica, com a padronização de regulamentos e práticas para promover a proteção aos dados pessoais de todo cidadão que esteja no Brasil, de acordo com os parâmetros internacionais existentes.</a:t>
             </a:r>
-            <a:r>
-              <a:rPr lang="pt-BR" b="1" i="0" dirty="0">
-                <a:solidFill>
-                  <a:srgbClr val="000000"/>
-                </a:solidFill>
-                <a:effectLst/>
-                <a:highlight>
-                  <a:srgbClr val="FFFFFF"/>
-                </a:highlight>
-                <a:latin typeface="Titillium Web" panose="020F0502020204030204" pitchFamily="2" charset="0"/>
-              </a:rPr>
-              <a:t> </a:t>
-            </a:r>
-            <a:r>
-              <a:rPr lang="pt-BR" b="1" i="0" u="none" strike="noStrike" dirty="0">
-                <a:solidFill>
-                  <a:srgbClr val="205C90"/>
-                </a:solidFill>
-                <a:effectLst/>
-                <a:highlight>
-                  <a:srgbClr val="FFFFFF"/>
-                </a:highlight>
-                <a:latin typeface="Titillium Web" panose="020F0502020204030204" pitchFamily="2" charset="0"/>
-                <a:hlinkClick r:id="rId2" tooltip=" Lei Geral de Proteção de Dados"/>
-              </a:rPr>
-              <a:t>Lei Geral de Proteção de Dados</a:t>
-            </a:r>
-            <a:r>
-              <a:rPr lang="pt-BR" b="0" i="0" dirty="0">
-                <a:solidFill>
-                  <a:srgbClr val="000000"/>
-                </a:solidFill>
-                <a:effectLst/>
-                <a:highlight>
-                  <a:srgbClr val="FFFFFF"/>
-                </a:highlight>
-                <a:latin typeface="Titillium Web" panose="020F0502020204030204" pitchFamily="2" charset="0"/>
-              </a:rPr>
-              <a:t> (13.709/2018) tem como principal objetivo proteger os direitos fundamentais de liberdade e de privacidade e o livre desenvolvimento da personalidade da pessoa natural. Também tem como foco a criação de um cenário de segurança jurídica, com a padronização de regulamentos e práticas para promover a proteção aos dados pessoais de todo cidadão que esteja no Brasil, de acordo com os parâmetros internacionais existentes.</a:t>
-            </a:r>
-          </a:p>
-          <a:p>
-            <a:pPr algn="just" fontAlgn="base"/>
-            <a:r>
-              <a:rPr lang="pt-BR" b="0" i="0" dirty="0">
-                <a:solidFill>
-                  <a:srgbClr val="000000"/>
-                </a:solidFill>
-                <a:effectLst/>
-                <a:highlight>
-                  <a:srgbClr val="FFFFFF"/>
-                </a:highlight>
-                <a:latin typeface="Titillium Web" panose="020F0502020204030204" pitchFamily="2" charset="0"/>
-              </a:rPr>
-              <a:t>A lei define o que são </a:t>
-            </a:r>
-            <a:r>
-              <a:rPr lang="pt-BR" b="1" i="0" dirty="0">
-                <a:solidFill>
-                  <a:srgbClr val="000000"/>
-                </a:solidFill>
-                <a:effectLst/>
-                <a:highlight>
-                  <a:srgbClr val="FFFFFF"/>
-                </a:highlight>
-                <a:latin typeface="Titillium Web" panose="020F0502020204030204" pitchFamily="2" charset="0"/>
-              </a:rPr>
-              <a:t>dados pessoais</a:t>
-            </a:r>
-            <a:r>
-              <a:rPr lang="pt-BR" b="0" i="0" dirty="0">
-                <a:solidFill>
-                  <a:srgbClr val="000000"/>
-                </a:solidFill>
-                <a:effectLst/>
-                <a:highlight>
-                  <a:srgbClr val="FFFFFF"/>
-                </a:highlight>
-                <a:latin typeface="Titillium Web" panose="020F0502020204030204" pitchFamily="2" charset="0"/>
-              </a:rPr>
-              <a:t> e explica que alguns deles estão sujeitos a cuidados ainda mais específicos, como os dados pessoais sensíveis e dados pessoais sobre crianças e adolescentes. Esclarece ainda que todos os dados tratados, tanto no meio físico quanto no digital, estão sujeitos à regulação. Além disso, a LGPD estabelece que não importa se a sede de uma organização ou o centro de dados dela estão localizados no Brasil ou no exterior: se há o processamento de informações sobre pessoas, brasileiras ou não, que estão no território nacional, a LGPD deve ser observada. A lei autoriza também o compartilhamento de dados pessoais com organismos internacionais e com outros países, desde que observados os requisitos nela estabelecidos. </a:t>
-            </a:r>
-          </a:p>
-          <a:p>
-            <a:endParaRPr lang="pt-BR" dirty="0"/>
           </a:p>
         </p:txBody>
       </p:sp>
@@ -13289,13 +14004,13 @@
   <p:clrMapOvr>
     <a:masterClrMapping/>
   </p:clrMapOvr>
-  <mc:AlternateContent xmlns:mc="http://schemas.openxmlformats.org/markup-compatibility/2006">
-    <mc:Choice xmlns:p14="http://schemas.microsoft.com/office/powerpoint/2010/main" Requires="p14">
+  <mc:AlternateContent xmlns:mc="http://schemas.openxmlformats.org/markup-compatibility/2006" xmlns:p14="http://schemas.microsoft.com/office/powerpoint/2010/main">
+    <mc:Choice Requires="p14">
       <p:transition spd="slow" p14:dur="3400">
         <p14:reveal/>
       </p:transition>
     </mc:Choice>
-    <mc:Fallback>
+    <mc:Fallback xmlns="">
       <p:transition spd="slow">
         <p:fade/>
       </p:transition>
@@ -13304,7 +14019,7 @@
 </p:sld>
 </file>
 
-<file path=ppt/slides/slide3.xml><?xml version="1.0" encoding="utf-8"?>
+<file path=ppt/slides/slide4.xml><?xml version="1.0" encoding="utf-8"?>
 <p:sld xmlns:a="http://schemas.openxmlformats.org/drawingml/2006/main" xmlns:r="http://schemas.openxmlformats.org/officeDocument/2006/relationships" xmlns:p="http://schemas.openxmlformats.org/presentationml/2006/main">
   <p:cSld>
     <p:spTree>
@@ -13371,108 +14086,30 @@
         <p:spPr/>
         <p:txBody>
           <a:bodyPr>
-            <a:normAutofit fontScale="62500" lnSpcReduction="20000"/>
+            <a:normAutofit fontScale="47500" lnSpcReduction="20000"/>
           </a:bodyPr>
           <a:lstStyle/>
           <a:p>
-            <a:pPr algn="just" fontAlgn="base"/>
             <a:r>
-              <a:rPr lang="pt-BR" b="0" i="0" dirty="0">
-                <a:solidFill>
-                  <a:srgbClr val="000000"/>
-                </a:solidFill>
-                <a:effectLst/>
-                <a:highlight>
-                  <a:srgbClr val="FFFFFF"/>
-                </a:highlight>
-                <a:latin typeface="Titillium Web" panose="00000500000000000000" pitchFamily="2" charset="0"/>
-              </a:rPr>
-              <a:t>Para fiscalizar e aplicar penalidades pelos descumprimentos da LGPD, o Brasil conta com a </a:t>
+              <a:rPr lang="pt-BR" sz="2500" dirty="0"/>
+              <a:t>Para fiscalizar e aplicar penalidades pelos descumprimentos da LGPD, o Brasil conta com a Autoridade Nacional de Proteção de Dados Pessoais, a ANPD. A instituição terá as tarefas de regular e de orientar, preventivamente, sobre como aplicar a lei. No entanto, não basta a ANPD (Lei nº 13.853/2019) e é por isso que a Lei Geral de Proteção de Dados Pessoais também prevê a existência dos agentes de tratamento de dados e estipula suas funções, nas organizações, como: o controlador, que toma as decisões sobre o tratamento; o operador, que realiza o tratamento, em nome do controlador; e o encarregado, que interage com os titulares dos dados pessoais e a autoridade nacional. </a:t>
             </a:r>
+          </a:p>
+          <a:p>
+            <a:endParaRPr lang="pt-BR" sz="2500" dirty="0"/>
+          </a:p>
+          <a:p>
             <a:r>
-              <a:rPr lang="pt-BR" b="1" i="0" u="none" strike="noStrike" dirty="0">
-                <a:solidFill>
-                  <a:srgbClr val="205C90"/>
-                </a:solidFill>
-                <a:effectLst/>
-                <a:highlight>
-                  <a:srgbClr val="FFFFFF"/>
-                </a:highlight>
-                <a:latin typeface="Titillium Web" panose="00000500000000000000" pitchFamily="2" charset="0"/>
-                <a:hlinkClick r:id="rId2" tooltip="Autoridade Nacional de Proteção de Dados Pessoais, a ANPD"/>
-              </a:rPr>
-              <a:t>Autoridade Nacional de Proteção de Dados Pessoais, a ANPD</a:t>
-            </a:r>
-            <a:r>
-              <a:rPr lang="pt-BR" b="0" i="0" dirty="0">
-                <a:solidFill>
-                  <a:srgbClr val="000000"/>
-                </a:solidFill>
-                <a:effectLst/>
-                <a:highlight>
-                  <a:srgbClr val="FFFFFF"/>
-                </a:highlight>
-                <a:latin typeface="Titillium Web" panose="00000500000000000000" pitchFamily="2" charset="0"/>
-              </a:rPr>
-              <a:t>. A instituição terá as tarefas de regular e de orientar, preventivamente, sobre como aplicar a lei. No entanto, não basta a ANPD (</a:t>
-            </a:r>
-            <a:r>
-              <a:rPr lang="pt-BR" b="0" i="0" u="none" strike="noStrike" dirty="0">
-                <a:solidFill>
-                  <a:srgbClr val="205C90"/>
-                </a:solidFill>
-                <a:effectLst/>
-                <a:highlight>
-                  <a:srgbClr val="FFFFFF"/>
-                </a:highlight>
-                <a:latin typeface="Titillium Web" panose="00000500000000000000" pitchFamily="2" charset="0"/>
-                <a:hlinkClick r:id="rId3" tooltip="Lei nº 13.853/2019"/>
-              </a:rPr>
-              <a:t>Lei nº 13.853/2019</a:t>
-            </a:r>
-            <a:r>
-              <a:rPr lang="pt-BR" b="0" i="0" dirty="0">
-                <a:solidFill>
-                  <a:srgbClr val="000000"/>
-                </a:solidFill>
-                <a:effectLst/>
-                <a:highlight>
-                  <a:srgbClr val="FFFFFF"/>
-                </a:highlight>
-                <a:latin typeface="Titillium Web" panose="00000500000000000000" pitchFamily="2" charset="0"/>
-              </a:rPr>
-              <a:t>) e é por isso que a Lei Geral de Proteção de Dados Pessoais também prevê a existência dos agentes de tratamento de dados e estipula suas funções, nas organizações, como: o controlador, que toma as decisões sobre o tratamento; o operador, que realiza o tratamento, em nome do controlador; e o encarregado, que interage com os titulares dos dados pessoais e a autoridade nacional. </a:t>
-            </a:r>
-          </a:p>
-          <a:p>
-            <a:pPr algn="just" fontAlgn="base"/>
-            <a:r>
-              <a:rPr lang="pt-BR" b="0" i="0" dirty="0">
-                <a:solidFill>
-                  <a:srgbClr val="000000"/>
-                </a:solidFill>
-                <a:effectLst/>
-                <a:highlight>
-                  <a:srgbClr val="FFFFFF"/>
-                </a:highlight>
-                <a:latin typeface="Titillium Web" panose="00000500000000000000" pitchFamily="2" charset="0"/>
-              </a:rPr>
+              <a:rPr lang="pt-BR" sz="2500" dirty="0"/>
               <a:t>Com relação à administração de riscos e falhas, o responsável por gerir dados pessoais também deve redigir normas de governança; adotar medidas preventivas de segurança; replicar boas práticas e certificações existentes no mercado; elaborar planos de contingência; fazer auditorias; resolver incidentes com agilidade, com o aviso imediato sobre violações à ANPD e aos indivíduos afetados.</a:t>
             </a:r>
           </a:p>
           <a:p>
-            <a:pPr algn="just" fontAlgn="base"/>
+            <a:endParaRPr lang="pt-BR" sz="2500" dirty="0"/>
+          </a:p>
+          <a:p>
             <a:r>
-              <a:rPr lang="pt-BR" b="0" i="0" dirty="0">
-                <a:solidFill>
-                  <a:srgbClr val="000000"/>
-                </a:solidFill>
-                <a:effectLst/>
-                <a:highlight>
-                  <a:srgbClr val="FFFFFF"/>
-                </a:highlight>
-                <a:latin typeface="Titillium Web" panose="00000500000000000000" pitchFamily="2" charset="0"/>
-              </a:rPr>
+              <a:rPr lang="pt-BR" sz="2500" dirty="0"/>
               <a:t>As falhas de segurança podem gerar multas de até 2% do faturamento anual da organização no Brasil – limitado a R$ 50 milhões por infração. A autoridade nacional fixará níveis de penalidade segundo a gravidade da falha e enviará alertas e orientações antes de aplicar sanções às organizações.</a:t>
             </a:r>
           </a:p>
@@ -13491,13 +14128,13 @@
   <p:clrMapOvr>
     <a:masterClrMapping/>
   </p:clrMapOvr>
-  <mc:AlternateContent xmlns:mc="http://schemas.openxmlformats.org/markup-compatibility/2006">
-    <mc:Choice xmlns:p14="http://schemas.microsoft.com/office/powerpoint/2010/main" Requires="p14">
+  <mc:AlternateContent xmlns:mc="http://schemas.openxmlformats.org/markup-compatibility/2006" xmlns:p14="http://schemas.microsoft.com/office/powerpoint/2010/main">
+    <mc:Choice Requires="p14">
       <p:transition spd="slow" p14:dur="3400">
         <p14:reveal/>
       </p:transition>
     </mc:Choice>
-    <mc:Fallback>
+    <mc:Fallback xmlns="">
       <p:transition spd="slow">
         <p:fade/>
       </p:transition>
@@ -13506,7 +14143,7 @@
 </p:sld>
 </file>
 
-<file path=ppt/slides/slide4.xml><?xml version="1.0" encoding="utf-8"?>
+<file path=ppt/slides/slide5.xml><?xml version="1.0" encoding="utf-8"?>
 <p:sld xmlns:a="http://schemas.openxmlformats.org/drawingml/2006/main" xmlns:r="http://schemas.openxmlformats.org/officeDocument/2006/relationships" xmlns:p="http://schemas.openxmlformats.org/presentationml/2006/main">
   <p:cSld>
     <p:spTree>
@@ -13569,458 +14206,16 @@
   <p:clrMapOvr>
     <a:masterClrMapping/>
   </p:clrMapOvr>
-  <mc:AlternateContent xmlns:mc="http://schemas.openxmlformats.org/markup-compatibility/2006">
-    <mc:Choice xmlns:p14="http://schemas.microsoft.com/office/powerpoint/2010/main" Requires="p14">
+  <mc:AlternateContent xmlns:mc="http://schemas.openxmlformats.org/markup-compatibility/2006" xmlns:p14="http://schemas.microsoft.com/office/powerpoint/2010/main">
+    <mc:Choice Requires="p14">
       <p:transition spd="slow" p14:dur="3400">
         <p14:reveal/>
       </p:transition>
     </mc:Choice>
-    <mc:Fallback>
+    <mc:Fallback xmlns="">
       <p:transition spd="slow">
         <p:fade/>
       </p:transition>
-    </mc:Fallback>
-  </mc:AlternateContent>
-</p:sld>
-</file>
-
-<file path=ppt/slides/slide5.xml><?xml version="1.0" encoding="utf-8"?>
-<p:sld xmlns:a="http://schemas.openxmlformats.org/drawingml/2006/main" xmlns:r="http://schemas.openxmlformats.org/officeDocument/2006/relationships" xmlns:p="http://schemas.openxmlformats.org/presentationml/2006/main">
-  <p:cSld>
-    <p:spTree>
-      <p:nvGrpSpPr>
-        <p:cNvPr id="1" name=""/>
-        <p:cNvGrpSpPr/>
-        <p:nvPr/>
-      </p:nvGrpSpPr>
-      <p:grpSpPr>
-        <a:xfrm>
-          <a:off x="0" y="0"/>
-          <a:ext cx="0" cy="0"/>
-          <a:chOff x="0" y="0"/>
-          <a:chExt cx="0" cy="0"/>
-        </a:xfrm>
-      </p:grpSpPr>
-      <p:sp>
-        <p:nvSpPr>
-          <p:cNvPr id="2" name="Título 1">
-            <a:extLst>
-              <a:ext uri="{FF2B5EF4-FFF2-40B4-BE49-F238E27FC236}">
-                <a16:creationId xmlns:a16="http://schemas.microsoft.com/office/drawing/2014/main" id="{D9EF30D8-60C7-4E42-04FD-081F8071860A}"/>
-              </a:ext>
-            </a:extLst>
-          </p:cNvPr>
-          <p:cNvSpPr>
-            <a:spLocks noGrp="1"/>
-          </p:cNvSpPr>
-          <p:nvPr>
-            <p:ph type="title"/>
-          </p:nvPr>
-        </p:nvSpPr>
-        <p:spPr/>
-        <p:txBody>
-          <a:bodyPr>
-            <a:normAutofit fontScale="90000"/>
-          </a:bodyPr>
-          <a:lstStyle/>
-          <a:p>
-            <a:r>
-              <a:rPr lang="pt-BR" b="1" i="0" u="none" strike="noStrike" dirty="0">
-                <a:solidFill>
-                  <a:srgbClr val="333333"/>
-                </a:solidFill>
-                <a:effectLst/>
-                <a:highlight>
-                  <a:srgbClr val="FFFFFF"/>
-                </a:highlight>
-                <a:latin typeface="roboto" panose="02000000000000000000" pitchFamily="2" charset="0"/>
-              </a:rPr>
-              <a:t>Boa-fé no Tratamento de Dados Pessoais</a:t>
-            </a:r>
-            <a:br>
-              <a:rPr lang="pt-BR" b="1" i="0" u="none" strike="noStrike" dirty="0">
-                <a:solidFill>
-                  <a:srgbClr val="333333"/>
-                </a:solidFill>
-                <a:effectLst/>
-                <a:highlight>
-                  <a:srgbClr val="FFFFFF"/>
-                </a:highlight>
-                <a:latin typeface="roboto" panose="02000000000000000000" pitchFamily="2" charset="0"/>
-              </a:rPr>
-            </a:br>
-            <a:endParaRPr lang="pt-BR" dirty="0"/>
-          </a:p>
-        </p:txBody>
-      </p:sp>
-      <p:sp>
-        <p:nvSpPr>
-          <p:cNvPr id="3" name="Espaço Reservado para Conteúdo 2">
-            <a:extLst>
-              <a:ext uri="{FF2B5EF4-FFF2-40B4-BE49-F238E27FC236}">
-                <a16:creationId xmlns:a16="http://schemas.microsoft.com/office/drawing/2014/main" id="{FA5AF37E-81C5-5B48-49E1-30D7DB3DFE1C}"/>
-              </a:ext>
-            </a:extLst>
-          </p:cNvPr>
-          <p:cNvSpPr>
-            <a:spLocks noGrp="1"/>
-          </p:cNvSpPr>
-          <p:nvPr>
-            <p:ph idx="1"/>
-          </p:nvPr>
-        </p:nvSpPr>
-        <p:spPr/>
-        <p:txBody>
-          <a:bodyPr>
-            <a:normAutofit fontScale="62500" lnSpcReduction="20000"/>
-          </a:bodyPr>
-          <a:lstStyle/>
-          <a:p>
-            <a:pPr algn="just" fontAlgn="base"/>
-            <a:r>
-              <a:rPr lang="pt-BR" sz="2000" b="1" i="0" dirty="0">
-                <a:solidFill>
-                  <a:srgbClr val="666666"/>
-                </a:solidFill>
-                <a:effectLst/>
-                <a:highlight>
-                  <a:srgbClr val="FFFFFF"/>
-                </a:highlight>
-                <a:latin typeface="open sans" panose="020B0606030504020204" pitchFamily="34" charset="0"/>
-              </a:rPr>
-              <a:t>A boa-fé é fundamental à interpretação e aplicação do Direito às relações. </a:t>
-            </a:r>
-            <a:endParaRPr lang="pt-BR" sz="2000" b="0" i="0" dirty="0">
-              <a:solidFill>
-                <a:srgbClr val="666666"/>
-              </a:solidFill>
-              <a:effectLst/>
-              <a:highlight>
-                <a:srgbClr val="FFFFFF"/>
-              </a:highlight>
-              <a:latin typeface="open sans" panose="020B0606030504020204" pitchFamily="34" charset="0"/>
-            </a:endParaRPr>
-          </a:p>
-          <a:p>
-            <a:pPr algn="just" fontAlgn="base"/>
-            <a:r>
-              <a:rPr lang="pt-BR" sz="2000" b="0" i="0" dirty="0">
-                <a:solidFill>
-                  <a:srgbClr val="666666"/>
-                </a:solidFill>
-                <a:effectLst/>
-                <a:highlight>
-                  <a:srgbClr val="FFFFFF"/>
-                </a:highlight>
-                <a:latin typeface="open sans" panose="020B0606030504020204" pitchFamily="34" charset="0"/>
-              </a:rPr>
-              <a:t>Então, não poderia ser diferente com a </a:t>
-            </a:r>
-            <a:r>
-              <a:rPr lang="pt-BR" sz="2000" b="0" i="0" u="none" strike="noStrike" dirty="0">
-                <a:solidFill>
-                  <a:srgbClr val="3FA9F5"/>
-                </a:solidFill>
-                <a:effectLst/>
-                <a:highlight>
-                  <a:srgbClr val="FFFFFF"/>
-                </a:highlight>
-                <a:latin typeface="open sans" panose="020B0606030504020204" pitchFamily="34" charset="0"/>
-                <a:hlinkClick r:id="rId2"/>
-              </a:rPr>
-              <a:t>LGPD</a:t>
-            </a:r>
-            <a:r>
-              <a:rPr lang="pt-BR" sz="2000" b="0" i="0" dirty="0">
-                <a:solidFill>
-                  <a:srgbClr val="666666"/>
-                </a:solidFill>
-                <a:effectLst/>
-                <a:highlight>
-                  <a:srgbClr val="FFFFFF"/>
-                </a:highlight>
-                <a:latin typeface="open sans" panose="020B0606030504020204" pitchFamily="34" charset="0"/>
-              </a:rPr>
-              <a:t>, que deixa evidente no caput do art. 6 a necessidade de adequação a esse princípio.</a:t>
-            </a:r>
-          </a:p>
-          <a:p>
-            <a:pPr algn="just" fontAlgn="base"/>
-            <a:r>
-              <a:rPr lang="pt-BR" sz="2000" b="1" i="0" dirty="0">
-                <a:solidFill>
-                  <a:srgbClr val="666666"/>
-                </a:solidFill>
-                <a:effectLst/>
-                <a:highlight>
-                  <a:srgbClr val="FFFFFF"/>
-                </a:highlight>
-                <a:latin typeface="open sans" panose="020B0606030504020204" pitchFamily="34" charset="0"/>
-              </a:rPr>
-              <a:t>Mas o que seria exatamente a “boa-fé objetiva”?</a:t>
-            </a:r>
-            <a:endParaRPr lang="pt-BR" sz="2000" b="0" i="0" dirty="0">
-              <a:solidFill>
-                <a:srgbClr val="666666"/>
-              </a:solidFill>
-              <a:effectLst/>
-              <a:highlight>
-                <a:srgbClr val="FFFFFF"/>
-              </a:highlight>
-              <a:latin typeface="open sans" panose="020B0606030504020204" pitchFamily="34" charset="0"/>
-            </a:endParaRPr>
-          </a:p>
-          <a:p>
-            <a:pPr algn="just" fontAlgn="base"/>
-            <a:r>
-              <a:rPr lang="pt-BR" sz="2000" b="0" i="0" dirty="0">
-                <a:solidFill>
-                  <a:srgbClr val="666666"/>
-                </a:solidFill>
-                <a:effectLst/>
-                <a:highlight>
-                  <a:srgbClr val="FFFFFF"/>
-                </a:highlight>
-                <a:latin typeface="open sans" panose="020B0606030504020204" pitchFamily="34" charset="0"/>
-              </a:rPr>
-              <a:t>Ela diz respeito ao plano concreto, </a:t>
-            </a:r>
-            <a:r>
-              <a:rPr lang="pt-BR" sz="2000" b="1" i="0" dirty="0">
-                <a:solidFill>
-                  <a:srgbClr val="666666"/>
-                </a:solidFill>
-                <a:effectLst/>
-                <a:highlight>
-                  <a:srgbClr val="FFFFFF"/>
-                </a:highlight>
-                <a:latin typeface="open sans" panose="020B0606030504020204" pitchFamily="34" charset="0"/>
-              </a:rPr>
-              <a:t>relativo aos deveres pressupostos nas relações.</a:t>
-            </a:r>
-            <a:endParaRPr lang="pt-BR" sz="2000" b="0" i="0" dirty="0">
-              <a:solidFill>
-                <a:srgbClr val="666666"/>
-              </a:solidFill>
-              <a:effectLst/>
-              <a:highlight>
-                <a:srgbClr val="FFFFFF"/>
-              </a:highlight>
-              <a:latin typeface="open sans" panose="020B0606030504020204" pitchFamily="34" charset="0"/>
-            </a:endParaRPr>
-          </a:p>
-          <a:p>
-            <a:pPr algn="just" fontAlgn="base"/>
-            <a:r>
-              <a:rPr lang="pt-BR" sz="2000" b="1" i="0" dirty="0">
-                <a:solidFill>
-                  <a:srgbClr val="666666"/>
-                </a:solidFill>
-                <a:effectLst/>
-                <a:highlight>
-                  <a:srgbClr val="FFFFFF"/>
-                </a:highlight>
-                <a:latin typeface="open sans" panose="020B0606030504020204" pitchFamily="34" charset="0"/>
-              </a:rPr>
-              <a:t>A boa-fé é o elemento ético das relações,</a:t>
-            </a:r>
-            <a:r>
-              <a:rPr lang="pt-BR" sz="2000" b="0" i="0" dirty="0">
-                <a:solidFill>
-                  <a:srgbClr val="666666"/>
-                </a:solidFill>
-                <a:effectLst/>
-                <a:highlight>
-                  <a:srgbClr val="FFFFFF"/>
-                </a:highlight>
-                <a:latin typeface="open sans" panose="020B0606030504020204" pitchFamily="34" charset="0"/>
-              </a:rPr>
-              <a:t> </a:t>
-            </a:r>
-            <a:r>
-              <a:rPr lang="pt-BR" sz="2000" b="1" i="0" dirty="0">
-                <a:solidFill>
-                  <a:srgbClr val="666666"/>
-                </a:solidFill>
-                <a:effectLst/>
-                <a:highlight>
-                  <a:srgbClr val="FFFFFF"/>
-                </a:highlight>
-                <a:latin typeface="open sans" panose="020B0606030504020204" pitchFamily="34" charset="0"/>
-              </a:rPr>
-              <a:t>um princípio orientador da interpretação jurídica.</a:t>
-            </a:r>
-            <a:endParaRPr lang="pt-BR" sz="2000" b="0" i="0" dirty="0">
-              <a:solidFill>
-                <a:srgbClr val="666666"/>
-              </a:solidFill>
-              <a:effectLst/>
-              <a:highlight>
-                <a:srgbClr val="FFFFFF"/>
-              </a:highlight>
-              <a:latin typeface="open sans" panose="020B0606030504020204" pitchFamily="34" charset="0"/>
-            </a:endParaRPr>
-          </a:p>
-          <a:p>
-            <a:pPr algn="just" fontAlgn="base"/>
-            <a:r>
-              <a:rPr lang="pt-BR" sz="2000" b="0" i="0" dirty="0">
-                <a:solidFill>
-                  <a:srgbClr val="666666"/>
-                </a:solidFill>
-                <a:effectLst/>
-                <a:highlight>
-                  <a:srgbClr val="FFFFFF"/>
-                </a:highlight>
-                <a:latin typeface="open sans" panose="020B0606030504020204" pitchFamily="34" charset="0"/>
-              </a:rPr>
-              <a:t>Ela diz respeito à conduta ética entre as partes, observando a lealdade e a correção.</a:t>
-            </a:r>
-          </a:p>
-          <a:p>
-            <a:pPr algn="just" fontAlgn="base"/>
-            <a:r>
-              <a:rPr lang="pt-BR" sz="2000" b="0" i="0" dirty="0">
-                <a:solidFill>
-                  <a:srgbClr val="666666"/>
-                </a:solidFill>
-                <a:effectLst/>
-                <a:highlight>
-                  <a:srgbClr val="FFFFFF"/>
-                </a:highlight>
-                <a:latin typeface="open sans" panose="020B0606030504020204" pitchFamily="34" charset="0"/>
-              </a:rPr>
-              <a:t>Mas, quando falamos sobre conduta ética, apesar de parecer abstrato, </a:t>
-            </a:r>
-            <a:r>
-              <a:rPr lang="pt-BR" sz="2000" b="1" i="0" dirty="0">
-                <a:solidFill>
-                  <a:srgbClr val="666666"/>
-                </a:solidFill>
-                <a:effectLst/>
-                <a:highlight>
-                  <a:srgbClr val="FFFFFF"/>
-                </a:highlight>
-                <a:latin typeface="open sans" panose="020B0606030504020204" pitchFamily="34" charset="0"/>
-              </a:rPr>
-              <a:t>essa ideia impõe deveres concretos.</a:t>
-            </a:r>
-            <a:endParaRPr lang="pt-BR" sz="2000" b="0" i="0" dirty="0">
-              <a:solidFill>
-                <a:srgbClr val="666666"/>
-              </a:solidFill>
-              <a:effectLst/>
-              <a:highlight>
-                <a:srgbClr val="FFFFFF"/>
-              </a:highlight>
-              <a:latin typeface="open sans" panose="020B0606030504020204" pitchFamily="34" charset="0"/>
-            </a:endParaRPr>
-          </a:p>
-          <a:p>
-            <a:pPr algn="just" fontAlgn="base"/>
-            <a:r>
-              <a:rPr lang="pt-BR" sz="2000" b="0" i="0" dirty="0">
-                <a:solidFill>
-                  <a:srgbClr val="666666"/>
-                </a:solidFill>
-                <a:effectLst/>
-                <a:highlight>
-                  <a:srgbClr val="FFFFFF"/>
-                </a:highlight>
-                <a:latin typeface="open sans" panose="020B0606030504020204" pitchFamily="34" charset="0"/>
-              </a:rPr>
-              <a:t>Não qualquer tipo de dever concreto. </a:t>
-            </a:r>
-            <a:r>
-              <a:rPr lang="pt-BR" sz="2000" b="1" i="0" dirty="0">
-                <a:solidFill>
-                  <a:srgbClr val="666666"/>
-                </a:solidFill>
-                <a:effectLst/>
-                <a:highlight>
-                  <a:srgbClr val="FFFFFF"/>
-                </a:highlight>
-                <a:latin typeface="open sans" panose="020B0606030504020204" pitchFamily="34" charset="0"/>
-              </a:rPr>
-              <a:t>São criados deveres anexos, como de correção, cuidado, sigilo, prestação de contas</a:t>
-            </a:r>
-            <a:r>
-              <a:rPr lang="pt-BR" sz="2000" b="0" i="0" dirty="0">
-                <a:solidFill>
-                  <a:srgbClr val="666666"/>
-                </a:solidFill>
-                <a:effectLst/>
-                <a:highlight>
-                  <a:srgbClr val="FFFFFF"/>
-                </a:highlight>
-                <a:latin typeface="open sans" panose="020B0606030504020204" pitchFamily="34" charset="0"/>
-              </a:rPr>
-              <a:t>, entre outros.</a:t>
-            </a:r>
-          </a:p>
-          <a:p>
-            <a:pPr algn="just" fontAlgn="base"/>
-            <a:r>
-              <a:rPr lang="pt-BR" sz="2000" b="0" i="0" dirty="0">
-                <a:solidFill>
-                  <a:srgbClr val="666666"/>
-                </a:solidFill>
-                <a:effectLst/>
-                <a:highlight>
-                  <a:srgbClr val="FFFFFF"/>
-                </a:highlight>
-                <a:latin typeface="open sans" panose="020B0606030504020204" pitchFamily="34" charset="0"/>
-              </a:rPr>
-              <a:t>Portanto, </a:t>
-            </a:r>
-            <a:r>
-              <a:rPr lang="pt-BR" sz="2000" b="1" i="0" dirty="0">
-                <a:solidFill>
-                  <a:srgbClr val="666666"/>
-                </a:solidFill>
-                <a:effectLst/>
-                <a:highlight>
-                  <a:srgbClr val="FFFFFF"/>
-                </a:highlight>
-                <a:latin typeface="open sans" panose="020B0606030504020204" pitchFamily="34" charset="0"/>
-              </a:rPr>
-              <a:t>a boa-fé objetiva deve estar presente em todas as relações e negócios jurídicos, como aqueles relacionados a LGPD</a:t>
-            </a:r>
-            <a:r>
-              <a:rPr lang="pt-BR" sz="2000" b="0" i="0" dirty="0">
-                <a:solidFill>
-                  <a:srgbClr val="666666"/>
-                </a:solidFill>
-                <a:effectLst/>
-                <a:highlight>
-                  <a:srgbClr val="FFFFFF"/>
-                </a:highlight>
-                <a:latin typeface="open sans" panose="020B0606030504020204" pitchFamily="34" charset="0"/>
-              </a:rPr>
-              <a:t>.</a:t>
-            </a:r>
-          </a:p>
-          <a:p>
-            <a:endParaRPr lang="pt-BR" dirty="0"/>
-          </a:p>
-        </p:txBody>
-      </p:sp>
-    </p:spTree>
-    <p:extLst>
-      <p:ext uri="{BB962C8B-B14F-4D97-AF65-F5344CB8AC3E}">
-        <p14:creationId xmlns:p14="http://schemas.microsoft.com/office/powerpoint/2010/main" val="855301754"/>
-      </p:ext>
-    </p:extLst>
-  </p:cSld>
-  <p:clrMapOvr>
-    <a:masterClrMapping/>
-  </p:clrMapOvr>
-  <mc:AlternateContent xmlns:mc="http://schemas.openxmlformats.org/markup-compatibility/2006">
-    <mc:Choice xmlns:p14="http://schemas.microsoft.com/office/powerpoint/2010/main" Requires="p14">
-      <p:transition p14:dur="0"/>
-    </mc:Choice>
-    <mc:Fallback>
-      <p:transition/>
     </mc:Fallback>
   </mc:AlternateContent>
 </p:sld>
@@ -14048,7 +14243,7 @@
           <p:cNvPr id="2" name="Título 1">
             <a:extLst>
               <a:ext uri="{FF2B5EF4-FFF2-40B4-BE49-F238E27FC236}">
-                <a16:creationId xmlns:a16="http://schemas.microsoft.com/office/drawing/2014/main" id="{514C23B2-BED0-BECC-703A-ACD98C916111}"/>
+                <a16:creationId xmlns:a16="http://schemas.microsoft.com/office/drawing/2014/main" id="{22950BF0-70BE-1AA4-4F74-2EC633C3D7C6}"/>
               </a:ext>
             </a:extLst>
           </p:cNvPr>
@@ -14062,37 +14257,15 @@
         <p:spPr/>
         <p:txBody>
           <a:bodyPr>
-            <a:normAutofit fontScale="90000"/>
+            <a:normAutofit/>
           </a:bodyPr>
           <a:lstStyle/>
           <a:p>
             <a:pPr algn="ctr"/>
             <a:r>
-              <a:rPr lang="pt-BR" b="1" i="0" u="none" strike="noStrike" dirty="0">
-                <a:solidFill>
-                  <a:srgbClr val="333333"/>
-                </a:solidFill>
-                <a:effectLst/>
-                <a:highlight>
-                  <a:srgbClr val="FFFFFF"/>
-                </a:highlight>
-                <a:latin typeface="roboto" panose="02000000000000000000" pitchFamily="2" charset="0"/>
-              </a:rPr>
-              <a:t>Finalidade, Adequação e Necessidade na LGPD</a:t>
+              <a:rPr lang="pt-BR" dirty="0"/>
+              <a:t>Boa-fé no Tratamento de Dados Pessoais</a:t>
             </a:r>
-            <a:br>
-              <a:rPr lang="pt-BR" b="1" i="0" u="none" strike="noStrike" dirty="0">
-                <a:solidFill>
-                  <a:srgbClr val="333333"/>
-                </a:solidFill>
-                <a:effectLst/>
-                <a:highlight>
-                  <a:srgbClr val="FFFFFF"/>
-                </a:highlight>
-                <a:latin typeface="roboto" panose="02000000000000000000" pitchFamily="2" charset="0"/>
-              </a:rPr>
-            </a:br>
-            <a:endParaRPr lang="pt-BR" dirty="0"/>
           </a:p>
         </p:txBody>
       </p:sp>
@@ -14101,7 +14274,7 @@
           <p:cNvPr id="3" name="Espaço Reservado para Conteúdo 2">
             <a:extLst>
               <a:ext uri="{FF2B5EF4-FFF2-40B4-BE49-F238E27FC236}">
-                <a16:creationId xmlns:a16="http://schemas.microsoft.com/office/drawing/2014/main" id="{0FC35584-195A-EFB7-7E2D-132A8AD13D9B}"/>
+                <a16:creationId xmlns:a16="http://schemas.microsoft.com/office/drawing/2014/main" id="{4005AF32-7ADD-94BC-9213-4F4CBB74DA6A}"/>
               </a:ext>
             </a:extLst>
           </p:cNvPr>
@@ -14115,380 +14288,64 @@
         <p:spPr/>
         <p:txBody>
           <a:bodyPr>
-            <a:normAutofit fontScale="85000" lnSpcReduction="20000"/>
+            <a:noAutofit/>
           </a:bodyPr>
           <a:lstStyle/>
           <a:p>
-            <a:pPr algn="just"/>
             <a:r>
-              <a:rPr lang="pt-BR" sz="1400" b="0" i="0" dirty="0">
-                <a:solidFill>
-                  <a:srgbClr val="666666"/>
-                </a:solidFill>
-                <a:effectLst/>
-                <a:highlight>
-                  <a:srgbClr val="FFFFFF"/>
-                </a:highlight>
-                <a:latin typeface="open sans" panose="020B0606030504020204" pitchFamily="34" charset="0"/>
-              </a:rPr>
-              <a:t>A</a:t>
+              <a:rPr lang="pt-BR" sz="1400" dirty="0"/>
+              <a:t>A boa-fé é o elemento ético das relações, um princípio orientador da interpretação jurídica.</a:t>
             </a:r>
+          </a:p>
+          <a:p>
             <a:r>
-              <a:rPr lang="pt-BR" sz="1400" b="1" i="0" dirty="0">
-                <a:solidFill>
-                  <a:srgbClr val="666666"/>
-                </a:solidFill>
-                <a:effectLst/>
-                <a:highlight>
-                  <a:srgbClr val="FFFFFF"/>
-                </a:highlight>
-                <a:latin typeface="open sans" panose="020B0606030504020204" pitchFamily="34" charset="0"/>
-              </a:rPr>
-              <a:t> finalidade</a:t>
+              <a:rPr lang="pt-BR" sz="1400" dirty="0"/>
+              <a:t>Ela diz respeito à conduta ética entre as partes, observando a lealdade e a correção.</a:t>
             </a:r>
+          </a:p>
+          <a:p>
             <a:r>
-              <a:rPr lang="pt-BR" sz="1400" b="0" i="0" dirty="0">
-                <a:solidFill>
-                  <a:srgbClr val="666666"/>
-                </a:solidFill>
-                <a:effectLst/>
-                <a:highlight>
-                  <a:srgbClr val="FFFFFF"/>
-                </a:highlight>
-                <a:latin typeface="open sans" panose="020B0606030504020204" pitchFamily="34" charset="0"/>
-              </a:rPr>
-              <a:t> corresponde ao </a:t>
+              <a:rPr lang="pt-BR" sz="1400" dirty="0"/>
+              <a:t>Mas, quando falamos sobre conduta ética, apesar de parecer abstrato, essa ideia impõe deveres concretos.</a:t>
             </a:r>
+          </a:p>
+          <a:p>
             <a:r>
-              <a:rPr lang="pt-BR" sz="1400" b="1" i="0" dirty="0">
-                <a:solidFill>
-                  <a:srgbClr val="666666"/>
-                </a:solidFill>
-                <a:effectLst/>
-                <a:highlight>
-                  <a:srgbClr val="FFFFFF"/>
-                </a:highlight>
-                <a:latin typeface="open sans" panose="020B0606030504020204" pitchFamily="34" charset="0"/>
-              </a:rPr>
-              <a:t>princípio que define a realização do tratamento de dados em função de propósitos legítimos, específicos, explícitos e informados ao titular</a:t>
+              <a:rPr lang="pt-BR" sz="1400" dirty="0"/>
+              <a:t>Não qualquer tipo de dever concreto. São criados deveres anexos, como de correção, cuidado, sigilo, prestação de contas, entre outros.</a:t>
             </a:r>
+          </a:p>
+          <a:p>
             <a:r>
-              <a:rPr lang="pt-BR" sz="1400" b="0" i="0" dirty="0">
-                <a:solidFill>
-                  <a:srgbClr val="666666"/>
-                </a:solidFill>
-                <a:effectLst/>
-                <a:highlight>
-                  <a:srgbClr val="FFFFFF"/>
-                </a:highlight>
-                <a:latin typeface="open sans" panose="020B0606030504020204" pitchFamily="34" charset="0"/>
-              </a:rPr>
-              <a:t>, sem possibilidade de tratamento posterior de forma incompatível com essas finalidades.</a:t>
+              <a:rPr lang="pt-BR" sz="1400" dirty="0"/>
+              <a:t>Portanto, a boa-fé objetiva deve estar presente em todas as relações e negócios jurídicos, como aqueles relacionados a LGPD.</a:t>
             </a:r>
           </a:p>
           <a:p>
-            <a:pPr algn="just"/>
             <a:r>
-              <a:rPr lang="pt-BR" sz="1400" b="0" i="0" dirty="0">
-                <a:solidFill>
-                  <a:srgbClr val="666666"/>
-                </a:solidFill>
-                <a:effectLst/>
-                <a:highlight>
-                  <a:srgbClr val="FFFFFF"/>
-                </a:highlight>
-                <a:latin typeface="open sans" panose="020B0606030504020204" pitchFamily="34" charset="0"/>
-              </a:rPr>
-              <a:t>Dessa forma, </a:t>
+              <a:rPr lang="pt-BR" sz="1400" dirty="0"/>
+              <a:t>Então, ao interpretar cada dispositivo da LGPD, tenha em mente que a boa-fé deve ser sempre observada.</a:t>
             </a:r>
-            <a:r>
-              <a:rPr lang="pt-BR" sz="1400" b="1" i="0" dirty="0">
-                <a:solidFill>
-                  <a:srgbClr val="666666"/>
-                </a:solidFill>
-                <a:effectLst/>
-                <a:highlight>
-                  <a:srgbClr val="FFFFFF"/>
-                </a:highlight>
-                <a:latin typeface="open sans" panose="020B0606030504020204" pitchFamily="34" charset="0"/>
-              </a:rPr>
-              <a:t>não é permitido fazer o tratamento de dados com fins genéricos.</a:t>
-            </a:r>
-          </a:p>
-          <a:p>
-            <a:pPr algn="just" fontAlgn="base"/>
-            <a:r>
-              <a:rPr lang="pt-BR" sz="1400" b="0" i="0" dirty="0">
-                <a:solidFill>
-                  <a:srgbClr val="666666"/>
-                </a:solidFill>
-                <a:effectLst/>
-                <a:highlight>
-                  <a:srgbClr val="FFFFFF"/>
-                </a:highlight>
-                <a:latin typeface="open sans" panose="020B0606030504020204" pitchFamily="34" charset="0"/>
-              </a:rPr>
-              <a:t>O usuário precisa estar ciente de </a:t>
-            </a:r>
-            <a:r>
-              <a:rPr lang="pt-BR" sz="1400" b="1" i="0" dirty="0">
-                <a:solidFill>
-                  <a:srgbClr val="666666"/>
-                </a:solidFill>
-                <a:effectLst/>
-                <a:highlight>
-                  <a:srgbClr val="FFFFFF"/>
-                </a:highlight>
-                <a:latin typeface="open sans" panose="020B0606030504020204" pitchFamily="34" charset="0"/>
-              </a:rPr>
-              <a:t>TODOS</a:t>
-            </a:r>
-            <a:r>
-              <a:rPr lang="pt-BR" sz="1400" b="0" i="0" dirty="0">
-                <a:solidFill>
-                  <a:srgbClr val="666666"/>
-                </a:solidFill>
-                <a:effectLst/>
-                <a:highlight>
-                  <a:srgbClr val="FFFFFF"/>
-                </a:highlight>
-                <a:latin typeface="open sans" panose="020B0606030504020204" pitchFamily="34" charset="0"/>
-              </a:rPr>
-              <a:t> os detalhes relacionados ao uso de seus dados pessoais.</a:t>
-            </a:r>
-          </a:p>
-          <a:p>
-            <a:pPr algn="just" fontAlgn="base"/>
-            <a:r>
-              <a:rPr lang="pt-BR" sz="1400" b="0" i="0" dirty="0">
-                <a:solidFill>
-                  <a:srgbClr val="666666"/>
-                </a:solidFill>
-                <a:effectLst/>
-                <a:highlight>
-                  <a:srgbClr val="FFFFFF"/>
-                </a:highlight>
-                <a:latin typeface="open sans" panose="020B0606030504020204" pitchFamily="34" charset="0"/>
-              </a:rPr>
-              <a:t>Nesse sentido, não é possível alterar o tratamento de </a:t>
-            </a:r>
-            <a:r>
-              <a:rPr lang="pt-BR" sz="1400" b="1" i="0" dirty="0">
-                <a:solidFill>
-                  <a:srgbClr val="666666"/>
-                </a:solidFill>
-                <a:effectLst/>
-                <a:highlight>
-                  <a:srgbClr val="FFFFFF"/>
-                </a:highlight>
-                <a:latin typeface="open sans" panose="020B0606030504020204" pitchFamily="34" charset="0"/>
-              </a:rPr>
-              <a:t>forma diversa</a:t>
-            </a:r>
-            <a:r>
-              <a:rPr lang="pt-BR" sz="1400" b="0" i="0" dirty="0">
-                <a:solidFill>
-                  <a:srgbClr val="666666"/>
-                </a:solidFill>
-                <a:effectLst/>
-                <a:highlight>
-                  <a:srgbClr val="FFFFFF"/>
-                </a:highlight>
-                <a:latin typeface="open sans" panose="020B0606030504020204" pitchFamily="34" charset="0"/>
-              </a:rPr>
-              <a:t> às finalidades estabelecidas. </a:t>
-            </a:r>
-          </a:p>
-          <a:p>
-            <a:pPr algn="just" fontAlgn="base"/>
-            <a:r>
-              <a:rPr lang="pt-BR" sz="1400" b="1" i="0" u="none" strike="noStrike" dirty="0">
-                <a:solidFill>
-                  <a:srgbClr val="333333"/>
-                </a:solidFill>
-                <a:effectLst/>
-                <a:highlight>
-                  <a:srgbClr val="FFFFFF"/>
-                </a:highlight>
-                <a:latin typeface="roboto" panose="02000000000000000000" pitchFamily="2" charset="0"/>
-              </a:rPr>
-              <a:t>Princípio da Adequação na LGPD</a:t>
-            </a:r>
-          </a:p>
-          <a:p>
-            <a:pPr algn="just" fontAlgn="base"/>
-            <a:r>
-              <a:rPr lang="pt-BR" sz="1400" b="0" i="0" dirty="0">
-                <a:solidFill>
-                  <a:srgbClr val="666666"/>
-                </a:solidFill>
-                <a:effectLst/>
-                <a:highlight>
-                  <a:srgbClr val="FFFFFF"/>
-                </a:highlight>
-                <a:latin typeface="open sans" panose="020B0606030504020204" pitchFamily="34" charset="0"/>
-              </a:rPr>
-              <a:t>A</a:t>
-            </a:r>
-            <a:r>
-              <a:rPr lang="pt-BR" sz="1400" b="1" i="0" dirty="0">
-                <a:solidFill>
-                  <a:srgbClr val="666666"/>
-                </a:solidFill>
-                <a:effectLst/>
-                <a:highlight>
-                  <a:srgbClr val="FFFFFF"/>
-                </a:highlight>
-                <a:latin typeface="open sans" panose="020B0606030504020204" pitchFamily="34" charset="0"/>
-              </a:rPr>
-              <a:t> adequação</a:t>
-            </a:r>
-            <a:r>
-              <a:rPr lang="pt-BR" sz="1400" b="0" i="0" dirty="0">
-                <a:solidFill>
-                  <a:srgbClr val="666666"/>
-                </a:solidFill>
-                <a:effectLst/>
-                <a:highlight>
-                  <a:srgbClr val="FFFFFF"/>
-                </a:highlight>
-                <a:latin typeface="open sans" panose="020B0606030504020204" pitchFamily="34" charset="0"/>
-              </a:rPr>
-              <a:t> significa a </a:t>
-            </a:r>
-            <a:r>
-              <a:rPr lang="pt-BR" sz="1400" b="1" i="0" dirty="0">
-                <a:solidFill>
-                  <a:srgbClr val="666666"/>
-                </a:solidFill>
-                <a:effectLst/>
-                <a:highlight>
-                  <a:srgbClr val="FFFFFF"/>
-                </a:highlight>
-                <a:latin typeface="open sans" panose="020B0606030504020204" pitchFamily="34" charset="0"/>
-              </a:rPr>
-              <a:t>compatibilidade do tratamento com as finalidades informadas ao titular</a:t>
-            </a:r>
-            <a:r>
-              <a:rPr lang="pt-BR" sz="1400" b="0" i="0" dirty="0">
-                <a:solidFill>
-                  <a:srgbClr val="666666"/>
-                </a:solidFill>
-                <a:effectLst/>
-                <a:highlight>
-                  <a:srgbClr val="FFFFFF"/>
-                </a:highlight>
-                <a:latin typeface="open sans" panose="020B0606030504020204" pitchFamily="34" charset="0"/>
-              </a:rPr>
-              <a:t>, de acordo com o contexto do tratamento.</a:t>
-            </a:r>
-          </a:p>
-          <a:p>
-            <a:pPr algn="just" fontAlgn="base"/>
-            <a:r>
-              <a:rPr lang="pt-BR" sz="1400" b="1" i="0" u="none" strike="noStrike" dirty="0">
-                <a:solidFill>
-                  <a:srgbClr val="333333"/>
-                </a:solidFill>
-                <a:effectLst/>
-                <a:highlight>
-                  <a:srgbClr val="FFFFFF"/>
-                </a:highlight>
-                <a:latin typeface="roboto" panose="02000000000000000000" pitchFamily="2" charset="0"/>
-              </a:rPr>
-              <a:t>Princípio da Necessidade na LGPD</a:t>
-            </a:r>
-          </a:p>
-          <a:p>
-            <a:pPr algn="just" fontAlgn="base"/>
-            <a:r>
-              <a:rPr lang="pt-BR" sz="1400" b="0" i="0" dirty="0">
-                <a:solidFill>
-                  <a:srgbClr val="666666"/>
-                </a:solidFill>
-                <a:effectLst/>
-                <a:highlight>
-                  <a:srgbClr val="FFFFFF"/>
-                </a:highlight>
-                <a:latin typeface="open sans" panose="020B0606030504020204" pitchFamily="34" charset="0"/>
-              </a:rPr>
-              <a:t>Enquanto isso, a </a:t>
-            </a:r>
-            <a:r>
-              <a:rPr lang="pt-BR" sz="1400" b="1" i="0" dirty="0">
-                <a:solidFill>
-                  <a:srgbClr val="666666"/>
-                </a:solidFill>
-                <a:effectLst/>
-                <a:highlight>
-                  <a:srgbClr val="FFFFFF"/>
-                </a:highlight>
-                <a:latin typeface="open sans" panose="020B0606030504020204" pitchFamily="34" charset="0"/>
-              </a:rPr>
-              <a:t>necessidade</a:t>
-            </a:r>
-            <a:r>
-              <a:rPr lang="pt-BR" sz="1400" b="0" i="0" dirty="0">
-                <a:solidFill>
-                  <a:srgbClr val="666666"/>
-                </a:solidFill>
-                <a:effectLst/>
-                <a:highlight>
-                  <a:srgbClr val="FFFFFF"/>
-                </a:highlight>
-                <a:latin typeface="open sans" panose="020B0606030504020204" pitchFamily="34" charset="0"/>
-              </a:rPr>
-              <a:t> é definida como a</a:t>
-            </a:r>
-            <a:r>
-              <a:rPr lang="pt-BR" sz="1400" b="1" i="0" dirty="0">
-                <a:solidFill>
-                  <a:srgbClr val="666666"/>
-                </a:solidFill>
-                <a:effectLst/>
-                <a:highlight>
-                  <a:srgbClr val="FFFFFF"/>
-                </a:highlight>
-                <a:latin typeface="open sans" panose="020B0606030504020204" pitchFamily="34" charset="0"/>
-              </a:rPr>
-              <a:t> limitação do tratamento ao mínimo necessário para a realização de suas finalidades</a:t>
-            </a:r>
-            <a:r>
-              <a:rPr lang="pt-BR" sz="1400" b="0" i="0" dirty="0">
-                <a:solidFill>
-                  <a:srgbClr val="666666"/>
-                </a:solidFill>
-                <a:effectLst/>
-                <a:highlight>
-                  <a:srgbClr val="FFFFFF"/>
-                </a:highlight>
-                <a:latin typeface="open sans" panose="020B0606030504020204" pitchFamily="34" charset="0"/>
-              </a:rPr>
-              <a:t>, com abrangência dos dados pertinentes, proporcionais e não excessivos em relação às finalidades do tratamento de dados.</a:t>
-            </a:r>
-          </a:p>
-          <a:p>
-            <a:endParaRPr lang="pt-BR" sz="1200" dirty="0"/>
           </a:p>
         </p:txBody>
       </p:sp>
     </p:spTree>
     <p:extLst>
       <p:ext uri="{BB962C8B-B14F-4D97-AF65-F5344CB8AC3E}">
-        <p14:creationId xmlns:p14="http://schemas.microsoft.com/office/powerpoint/2010/main" val="1226791123"/>
+        <p14:creationId xmlns:p14="http://schemas.microsoft.com/office/powerpoint/2010/main" val="3537750482"/>
       </p:ext>
     </p:extLst>
   </p:cSld>
   <p:clrMapOvr>
     <a:masterClrMapping/>
   </p:clrMapOvr>
-  <mc:AlternateContent xmlns:mc="http://schemas.openxmlformats.org/markup-compatibility/2006">
-    <mc:Choice xmlns:p14="http://schemas.microsoft.com/office/powerpoint/2010/main" Requires="p14">
+  <mc:AlternateContent xmlns:mc="http://schemas.openxmlformats.org/markup-compatibility/2006" xmlns:p14="http://schemas.microsoft.com/office/powerpoint/2010/main">
+    <mc:Choice Requires="p14">
       <p:transition spd="slow" p14:dur="3400">
         <p14:reveal/>
       </p:transition>
     </mc:Choice>
-    <mc:Fallback>
+    <mc:Fallback xmlns="">
       <p:transition spd="slow">
         <p:fade/>
       </p:transition>
@@ -14519,7 +14376,7 @@
           <p:cNvPr id="2" name="Título 1">
             <a:extLst>
               <a:ext uri="{FF2B5EF4-FFF2-40B4-BE49-F238E27FC236}">
-                <a16:creationId xmlns:a16="http://schemas.microsoft.com/office/drawing/2014/main" id="{07584D92-1CFE-91D7-F012-26D90F0A2048}"/>
+                <a16:creationId xmlns:a16="http://schemas.microsoft.com/office/drawing/2014/main" id="{2855A6D7-8B1A-C3C3-3185-902999413BB4}"/>
               </a:ext>
             </a:extLst>
           </p:cNvPr>
@@ -14532,38 +14389,14 @@
         </p:nvSpPr>
         <p:spPr/>
         <p:txBody>
-          <a:bodyPr>
-            <a:normAutofit fontScale="90000"/>
-          </a:bodyPr>
+          <a:bodyPr/>
           <a:lstStyle/>
           <a:p>
             <a:pPr algn="ctr"/>
             <a:r>
-              <a:rPr lang="pt-BR" b="1" i="0" u="none" strike="noStrike" dirty="0">
-                <a:solidFill>
-                  <a:srgbClr val="333333"/>
-                </a:solidFill>
-                <a:effectLst/>
-                <a:highlight>
-                  <a:srgbClr val="FFFFFF"/>
-                </a:highlight>
-                <a:latin typeface="roboto" panose="02000000000000000000" pitchFamily="2" charset="0"/>
-              </a:rPr>
-              <a:t> Livre Acesso, Qualidade dos Dados e Transparência</a:t>
+              <a:rPr lang="pt-BR" dirty="0"/>
+              <a:t>Finalidade dos dados na LGPD</a:t>
             </a:r>
-            <a:br>
-              <a:rPr lang="pt-BR" b="1" i="0" u="none" strike="noStrike" dirty="0">
-                <a:solidFill>
-                  <a:srgbClr val="333333"/>
-                </a:solidFill>
-                <a:effectLst/>
-                <a:highlight>
-                  <a:srgbClr val="FFFFFF"/>
-                </a:highlight>
-                <a:latin typeface="roboto" panose="02000000000000000000" pitchFamily="2" charset="0"/>
-              </a:rPr>
-            </a:br>
-            <a:endParaRPr lang="pt-BR" dirty="0"/>
           </a:p>
         </p:txBody>
       </p:sp>
@@ -14572,7 +14405,7 @@
           <p:cNvPr id="3" name="Espaço Reservado para Conteúdo 2">
             <a:extLst>
               <a:ext uri="{FF2B5EF4-FFF2-40B4-BE49-F238E27FC236}">
-                <a16:creationId xmlns:a16="http://schemas.microsoft.com/office/drawing/2014/main" id="{C40FDDEC-DFAE-2DAD-0883-B6DFD3E69BA7}"/>
+                <a16:creationId xmlns:a16="http://schemas.microsoft.com/office/drawing/2014/main" id="{F9984939-C721-D5EA-203D-1EA0045D9C57}"/>
               </a:ext>
             </a:extLst>
           </p:cNvPr>
@@ -14586,252 +14419,49 @@
         <p:spPr/>
         <p:txBody>
           <a:bodyPr>
-            <a:normAutofit fontScale="62500" lnSpcReduction="20000"/>
+            <a:normAutofit fontScale="92500"/>
           </a:bodyPr>
           <a:lstStyle/>
           <a:p>
-            <a:pPr algn="just" fontAlgn="base"/>
             <a:r>
-              <a:rPr lang="pt-BR" b="1" i="0" u="none" strike="noStrike" dirty="0">
-                <a:solidFill>
-                  <a:srgbClr val="333333"/>
-                </a:solidFill>
-                <a:effectLst/>
-                <a:highlight>
-                  <a:srgbClr val="FFFFFF"/>
-                </a:highlight>
-                <a:latin typeface="roboto" panose="02000000000000000000" pitchFamily="2" charset="0"/>
-              </a:rPr>
-              <a:t>Princípio do livre acesso dos dados</a:t>
+              <a:rPr lang="pt-BR" dirty="0"/>
+              <a:t>Princípio da Finalidade na LGPD</a:t>
             </a:r>
           </a:p>
           <a:p>
-            <a:pPr algn="just" fontAlgn="base"/>
             <a:r>
-              <a:rPr lang="pt-BR" b="0" i="0" dirty="0">
-                <a:solidFill>
-                  <a:srgbClr val="666666"/>
-                </a:solidFill>
-                <a:effectLst/>
-                <a:highlight>
-                  <a:srgbClr val="FFFFFF"/>
-                </a:highlight>
-                <a:latin typeface="open sans" panose="020B0606030504020204" pitchFamily="34" charset="0"/>
-              </a:rPr>
-              <a:t>O</a:t>
+              <a:rPr lang="pt-BR" dirty="0"/>
+              <a:t>A finalidade corresponde ao princípio que define a realização do tratamento de dados em função de propósitos legítimos, específicos, explícitos e informados ao titular, sem possibilidade de tratamento posterior de forma incompatível com essas finalidades.</a:t>
             </a:r>
+          </a:p>
+          <a:p>
+            <a:endParaRPr lang="pt-BR" dirty="0"/>
+          </a:p>
+          <a:p>
             <a:r>
-              <a:rPr lang="pt-BR" b="1" i="0" dirty="0">
-                <a:solidFill>
-                  <a:srgbClr val="666666"/>
-                </a:solidFill>
-                <a:effectLst/>
-                <a:highlight>
-                  <a:srgbClr val="FFFFFF"/>
-                </a:highlight>
-                <a:latin typeface="open sans" panose="020B0606030504020204" pitchFamily="34" charset="0"/>
-              </a:rPr>
-              <a:t> livre acesso dos dados </a:t>
+              <a:rPr lang="pt-BR" dirty="0"/>
+              <a:t>Dessa forma, não é permitido fazer o tratamento de dados com fins genéricos. </a:t>
             </a:r>
-            <a:r>
-              <a:rPr lang="pt-BR" b="0" i="0" dirty="0">
-                <a:solidFill>
-                  <a:srgbClr val="666666"/>
-                </a:solidFill>
-                <a:effectLst/>
-                <a:highlight>
-                  <a:srgbClr val="FFFFFF"/>
-                </a:highlight>
-                <a:latin typeface="open sans" panose="020B0606030504020204" pitchFamily="34" charset="0"/>
-              </a:rPr>
-              <a:t>corresponde à garantia, aos titulares, de consulta facilitada e gratuita sobre a forma e a duração do tratamento, bem como sobre a integralidade de seus dados pessoais.</a:t>
-            </a:r>
-          </a:p>
-          <a:p>
-            <a:pPr algn="just" fontAlgn="base"/>
-            <a:r>
-              <a:rPr lang="pt-BR" b="1" i="0" u="none" strike="noStrike" dirty="0">
-                <a:solidFill>
-                  <a:srgbClr val="333333"/>
-                </a:solidFill>
-                <a:effectLst/>
-                <a:highlight>
-                  <a:srgbClr val="FFFFFF"/>
-                </a:highlight>
-                <a:latin typeface="roboto" panose="02000000000000000000" pitchFamily="2" charset="0"/>
-              </a:rPr>
-              <a:t>Princípio da qualidade dos dados</a:t>
-            </a:r>
-          </a:p>
-          <a:p>
-            <a:pPr algn="just" fontAlgn="base"/>
-            <a:r>
-              <a:rPr lang="pt-BR" b="0" i="0" dirty="0">
-                <a:solidFill>
-                  <a:srgbClr val="666666"/>
-                </a:solidFill>
-                <a:effectLst/>
-                <a:highlight>
-                  <a:srgbClr val="FFFFFF"/>
-                </a:highlight>
-                <a:latin typeface="open sans" panose="020B0606030504020204" pitchFamily="34" charset="0"/>
-              </a:rPr>
-              <a:t>A </a:t>
-            </a:r>
-            <a:r>
-              <a:rPr lang="pt-BR" b="1" i="0" dirty="0">
-                <a:solidFill>
-                  <a:srgbClr val="666666"/>
-                </a:solidFill>
-                <a:effectLst/>
-                <a:highlight>
-                  <a:srgbClr val="FFFFFF"/>
-                </a:highlight>
-                <a:latin typeface="open sans" panose="020B0606030504020204" pitchFamily="34" charset="0"/>
-              </a:rPr>
-              <a:t>qualidade dos dados </a:t>
-            </a:r>
-            <a:r>
-              <a:rPr lang="pt-BR" b="0" i="0" dirty="0">
-                <a:solidFill>
-                  <a:srgbClr val="666666"/>
-                </a:solidFill>
-                <a:effectLst/>
-                <a:highlight>
-                  <a:srgbClr val="FFFFFF"/>
-                </a:highlight>
-                <a:latin typeface="open sans" panose="020B0606030504020204" pitchFamily="34" charset="0"/>
-              </a:rPr>
-              <a:t>significa garantir, aos titulares, exatidão, clareza, relevância e atualização dos dados, de acordo com a necessidade e para o cumprimento da finalidade de seu tratamento;</a:t>
-            </a:r>
-          </a:p>
-          <a:p>
-            <a:pPr algn="just" fontAlgn="base"/>
-            <a:r>
-              <a:rPr lang="pt-BR" b="1" i="0" u="none" strike="noStrike" dirty="0">
-                <a:solidFill>
-                  <a:srgbClr val="333333"/>
-                </a:solidFill>
-                <a:effectLst/>
-                <a:highlight>
-                  <a:srgbClr val="FFFFFF"/>
-                </a:highlight>
-                <a:latin typeface="roboto" panose="02000000000000000000" pitchFamily="2" charset="0"/>
-              </a:rPr>
-              <a:t>Princípio da transparência dos dados</a:t>
-            </a:r>
-          </a:p>
-          <a:p>
-            <a:pPr algn="just" fontAlgn="base"/>
-            <a:r>
-              <a:rPr lang="pt-BR" b="0" i="0" dirty="0">
-                <a:solidFill>
-                  <a:srgbClr val="666666"/>
-                </a:solidFill>
-                <a:effectLst/>
-                <a:highlight>
-                  <a:srgbClr val="FFFFFF"/>
-                </a:highlight>
-                <a:latin typeface="open sans" panose="020B0606030504020204" pitchFamily="34" charset="0"/>
-              </a:rPr>
-              <a:t>Por fim, a</a:t>
-            </a:r>
-            <a:r>
-              <a:rPr lang="pt-BR" b="1" i="0" dirty="0">
-                <a:solidFill>
-                  <a:srgbClr val="666666"/>
-                </a:solidFill>
-                <a:effectLst/>
-                <a:highlight>
-                  <a:srgbClr val="FFFFFF"/>
-                </a:highlight>
-                <a:latin typeface="open sans" panose="020B0606030504020204" pitchFamily="34" charset="0"/>
-              </a:rPr>
-              <a:t> transparência </a:t>
-            </a:r>
-            <a:r>
-              <a:rPr lang="pt-BR" b="0" i="0" dirty="0">
-                <a:solidFill>
-                  <a:srgbClr val="666666"/>
-                </a:solidFill>
-                <a:effectLst/>
-                <a:highlight>
-                  <a:srgbClr val="FFFFFF"/>
-                </a:highlight>
-                <a:latin typeface="open sans" panose="020B0606030504020204" pitchFamily="34" charset="0"/>
-              </a:rPr>
-              <a:t>se traduz em garantir, aos titulares,  informações claras, precisas e facilmente acessíveis sobre a realização do tratamento e os respectivos agentes de tratamento, observados os segredos comercial e industrial.</a:t>
-            </a:r>
-          </a:p>
-          <a:p>
-            <a:endParaRPr lang="pt-BR" dirty="0"/>
           </a:p>
         </p:txBody>
       </p:sp>
-      <p:pic>
-        <p:nvPicPr>
-          <p:cNvPr id="4098" name="Picture 2" descr="Advogada aprendendo tudo sobre princípios da LGPD">
-            <a:extLst>
-              <a:ext uri="{FF2B5EF4-FFF2-40B4-BE49-F238E27FC236}">
-                <a16:creationId xmlns:a16="http://schemas.microsoft.com/office/drawing/2014/main" id="{BE77E807-508D-CD1C-7966-4E15393C2EF5}"/>
-              </a:ext>
-            </a:extLst>
-          </p:cNvPr>
-          <p:cNvPicPr>
-            <a:picLocks noChangeAspect="1" noChangeArrowheads="1"/>
-          </p:cNvPicPr>
-          <p:nvPr/>
-        </p:nvPicPr>
-        <p:blipFill>
-          <a:blip r:embed="rId2">
-            <a:extLst>
-              <a:ext uri="{28A0092B-C50C-407E-A947-70E740481C1C}">
-                <a14:useLocalDpi xmlns:a14="http://schemas.microsoft.com/office/drawing/2010/main" val="0"/>
-              </a:ext>
-            </a:extLst>
-          </a:blip>
-          <a:srcRect/>
-          <a:stretch>
-            <a:fillRect/>
-          </a:stretch>
-        </p:blipFill>
-        <p:spPr bwMode="auto">
-          <a:xfrm>
-            <a:off x="7799293" y="5136776"/>
-            <a:ext cx="1703293" cy="1559859"/>
-          </a:xfrm>
-          <a:prstGeom prst="rect">
-            <a:avLst/>
-          </a:prstGeom>
-          <a:noFill/>
-          <a:extLst>
-            <a:ext uri="{909E8E84-426E-40DD-AFC4-6F175D3DCCD1}">
-              <a14:hiddenFill xmlns:a14="http://schemas.microsoft.com/office/drawing/2010/main">
-                <a:solidFill>
-                  <a:srgbClr val="FFFFFF"/>
-                </a:solidFill>
-              </a14:hiddenFill>
-            </a:ext>
-          </a:extLst>
-        </p:spPr>
-      </p:pic>
     </p:spTree>
     <p:extLst>
       <p:ext uri="{BB962C8B-B14F-4D97-AF65-F5344CB8AC3E}">
-        <p14:creationId xmlns:p14="http://schemas.microsoft.com/office/powerpoint/2010/main" val="3965716212"/>
+        <p14:creationId xmlns:p14="http://schemas.microsoft.com/office/powerpoint/2010/main" val="764408352"/>
       </p:ext>
     </p:extLst>
   </p:cSld>
   <p:clrMapOvr>
     <a:masterClrMapping/>
   </p:clrMapOvr>
-  <mc:AlternateContent xmlns:mc="http://schemas.openxmlformats.org/markup-compatibility/2006">
-    <mc:Choice xmlns:p14="http://schemas.microsoft.com/office/powerpoint/2010/main" Requires="p14">
+  <mc:AlternateContent xmlns:mc="http://schemas.openxmlformats.org/markup-compatibility/2006" xmlns:p14="http://schemas.microsoft.com/office/powerpoint/2010/main">
+    <mc:Choice Requires="p14">
       <p:transition spd="slow" p14:dur="3400">
         <p14:reveal/>
       </p:transition>
     </mc:Choice>
-    <mc:Fallback>
+    <mc:Fallback xmlns="">
       <p:transition spd="slow">
         <p:fade/>
       </p:transition>
@@ -14862,7 +14492,7 @@
           <p:cNvPr id="2" name="Título 1">
             <a:extLst>
               <a:ext uri="{FF2B5EF4-FFF2-40B4-BE49-F238E27FC236}">
-                <a16:creationId xmlns:a16="http://schemas.microsoft.com/office/drawing/2014/main" id="{272D63F6-16D3-0D07-C884-1462D69831FA}"/>
+                <a16:creationId xmlns:a16="http://schemas.microsoft.com/office/drawing/2014/main" id="{E2FC749B-549B-522C-753A-E2AC15426A9E}"/>
               </a:ext>
             </a:extLst>
           </p:cNvPr>
@@ -14875,38 +14505,14 @@
         </p:nvSpPr>
         <p:spPr/>
         <p:txBody>
-          <a:bodyPr>
-            <a:normAutofit fontScale="90000"/>
-          </a:bodyPr>
+          <a:bodyPr/>
           <a:lstStyle/>
           <a:p>
             <a:pPr algn="ctr"/>
             <a:r>
-              <a:rPr lang="pt-BR" b="1" i="0" u="none" strike="noStrike" dirty="0">
-                <a:solidFill>
-                  <a:srgbClr val="333333"/>
-                </a:solidFill>
-                <a:effectLst/>
-                <a:highlight>
-                  <a:srgbClr val="FFFFFF"/>
-                </a:highlight>
-                <a:latin typeface="roboto" panose="02000000000000000000" pitchFamily="2" charset="0"/>
-              </a:rPr>
-              <a:t>Segurança, Prevenção e Não Discriminação</a:t>
+              <a:rPr lang="pt-BR" dirty="0"/>
+              <a:t> Adequação dos dados na LGPD</a:t>
             </a:r>
-            <a:br>
-              <a:rPr lang="pt-BR" b="1" i="0" u="none" strike="noStrike" dirty="0">
-                <a:solidFill>
-                  <a:srgbClr val="333333"/>
-                </a:solidFill>
-                <a:effectLst/>
-                <a:highlight>
-                  <a:srgbClr val="FFFFFF"/>
-                </a:highlight>
-                <a:latin typeface="roboto" panose="02000000000000000000" pitchFamily="2" charset="0"/>
-              </a:rPr>
-            </a:br>
-            <a:endParaRPr lang="pt-BR" dirty="0"/>
           </a:p>
         </p:txBody>
       </p:sp>
@@ -14915,7 +14521,7 @@
           <p:cNvPr id="3" name="Espaço Reservado para Conteúdo 2">
             <a:extLst>
               <a:ext uri="{FF2B5EF4-FFF2-40B4-BE49-F238E27FC236}">
-                <a16:creationId xmlns:a16="http://schemas.microsoft.com/office/drawing/2014/main" id="{A3DFEF75-A147-C1AC-8448-CC20512DA738}"/>
+                <a16:creationId xmlns:a16="http://schemas.microsoft.com/office/drawing/2014/main" id="{EEDD58F3-C1E7-6794-CCB3-9B4E3BA61376}"/>
               </a:ext>
             </a:extLst>
           </p:cNvPr>
@@ -14926,225 +14532,35 @@
             <p:ph idx="1"/>
           </p:nvPr>
         </p:nvSpPr>
-        <p:spPr>
-          <a:xfrm>
-            <a:off x="1266917" y="2097088"/>
-            <a:ext cx="9905999" cy="3918230"/>
-          </a:xfrm>
-        </p:spPr>
+        <p:spPr/>
         <p:txBody>
-          <a:bodyPr>
-            <a:normAutofit/>
-          </a:bodyPr>
+          <a:bodyPr/>
           <a:lstStyle/>
           <a:p>
-            <a:pPr algn="just" fontAlgn="base"/>
             <a:r>
-              <a:rPr lang="pt-BR" sz="1400" b="0" i="0" dirty="0">
-                <a:solidFill>
-                  <a:srgbClr val="666666"/>
-                </a:solidFill>
-                <a:effectLst/>
-                <a:highlight>
-                  <a:srgbClr val="FFFFFF"/>
-                </a:highlight>
-                <a:latin typeface="open sans" panose="020B0606030504020204" pitchFamily="34" charset="0"/>
-              </a:rPr>
-              <a:t>A </a:t>
+              <a:rPr lang="pt-BR" dirty="0"/>
+              <a:t>A adequação significa a compatibilidade do tratamento com as finalidades informadas ao titular, de acordo com o contexto do tratamento.</a:t>
             </a:r>
-            <a:r>
-              <a:rPr lang="pt-BR" sz="1400" b="1" i="0" dirty="0">
-                <a:solidFill>
-                  <a:srgbClr val="666666"/>
-                </a:solidFill>
-                <a:effectLst/>
-                <a:highlight>
-                  <a:srgbClr val="FFFFFF"/>
-                </a:highlight>
-                <a:latin typeface="open sans" panose="020B0606030504020204" pitchFamily="34" charset="0"/>
-              </a:rPr>
-              <a:t>segurança</a:t>
-            </a:r>
-            <a:r>
-              <a:rPr lang="pt-BR" sz="1400" b="0" i="0" dirty="0">
-                <a:solidFill>
-                  <a:srgbClr val="666666"/>
-                </a:solidFill>
-                <a:effectLst/>
-                <a:highlight>
-                  <a:srgbClr val="FFFFFF"/>
-                </a:highlight>
-                <a:latin typeface="open sans" panose="020B0606030504020204" pitchFamily="34" charset="0"/>
-              </a:rPr>
-              <a:t>, como vimos, diz respeito ao uso de medidas técnicas e administrativas aptas a proteger  os dados pessoais de acessos não autorizados e de situações acidentais ou ilícitas de destruição, perda, alteração, comunicação ou difusão.</a:t>
-            </a:r>
-          </a:p>
-          <a:p>
-            <a:pPr algn="just" fontAlgn="base"/>
-            <a:r>
-              <a:rPr lang="pt-BR" sz="1400" b="0" i="0" dirty="0">
-                <a:solidFill>
-                  <a:srgbClr val="666666"/>
-                </a:solidFill>
-                <a:effectLst/>
-                <a:highlight>
-                  <a:srgbClr val="FFFFFF"/>
-                </a:highlight>
-                <a:latin typeface="open sans" panose="020B0606030504020204" pitchFamily="34" charset="0"/>
-              </a:rPr>
-              <a:t>A</a:t>
-            </a:r>
-            <a:r>
-              <a:rPr lang="pt-BR" sz="1400" b="1" i="0" dirty="0">
-                <a:solidFill>
-                  <a:srgbClr val="666666"/>
-                </a:solidFill>
-                <a:effectLst/>
-                <a:highlight>
-                  <a:srgbClr val="FFFFFF"/>
-                </a:highlight>
-                <a:latin typeface="open sans" panose="020B0606030504020204" pitchFamily="34" charset="0"/>
-              </a:rPr>
-              <a:t> prevenção</a:t>
-            </a:r>
-            <a:r>
-              <a:rPr lang="pt-BR" sz="1400" b="0" i="0" dirty="0">
-                <a:solidFill>
-                  <a:srgbClr val="666666"/>
-                </a:solidFill>
-                <a:effectLst/>
-                <a:highlight>
-                  <a:srgbClr val="FFFFFF"/>
-                </a:highlight>
-                <a:latin typeface="open sans" panose="020B0606030504020204" pitchFamily="34" charset="0"/>
-              </a:rPr>
-              <a:t> corresponde a adoção de medidas para prevenir a ocorrência de danos em virtude do tratamento de dados pessoais.</a:t>
-            </a:r>
-          </a:p>
-          <a:p>
-            <a:pPr algn="just" fontAlgn="base"/>
-            <a:r>
-              <a:rPr lang="pt-BR" sz="1400" b="0" i="0" dirty="0">
-                <a:solidFill>
-                  <a:srgbClr val="666666"/>
-                </a:solidFill>
-                <a:effectLst/>
-                <a:highlight>
-                  <a:srgbClr val="FFFFFF"/>
-                </a:highlight>
-                <a:latin typeface="open sans" panose="020B0606030504020204" pitchFamily="34" charset="0"/>
-              </a:rPr>
-              <a:t>Já a </a:t>
-            </a:r>
-            <a:r>
-              <a:rPr lang="pt-BR" sz="1400" b="1" i="0" dirty="0">
-                <a:solidFill>
-                  <a:srgbClr val="666666"/>
-                </a:solidFill>
-                <a:effectLst/>
-                <a:highlight>
-                  <a:srgbClr val="FFFFFF"/>
-                </a:highlight>
-                <a:latin typeface="open sans" panose="020B0606030504020204" pitchFamily="34" charset="0"/>
-              </a:rPr>
-              <a:t>não discriminação</a:t>
-            </a:r>
-            <a:r>
-              <a:rPr lang="pt-BR" sz="1400" b="0" i="0" dirty="0">
-                <a:solidFill>
-                  <a:srgbClr val="666666"/>
-                </a:solidFill>
-                <a:effectLst/>
-                <a:highlight>
-                  <a:srgbClr val="FFFFFF"/>
-                </a:highlight>
-                <a:latin typeface="open sans" panose="020B0606030504020204" pitchFamily="34" charset="0"/>
-              </a:rPr>
-              <a:t> significa a impossibilidade de realização do tratamento para fins discriminatórios ilícitos ou abusivos.</a:t>
-            </a:r>
-          </a:p>
-          <a:p>
-            <a:pPr algn="l" fontAlgn="base"/>
-            <a:endParaRPr lang="pt-BR" sz="1400" b="0" i="0" dirty="0">
-              <a:solidFill>
-                <a:srgbClr val="666666"/>
-              </a:solidFill>
-              <a:effectLst/>
-              <a:highlight>
-                <a:srgbClr val="FFFFFF"/>
-              </a:highlight>
-              <a:latin typeface="open sans" panose="020B0606030504020204" pitchFamily="34" charset="0"/>
-            </a:endParaRPr>
-          </a:p>
-          <a:p>
-            <a:endParaRPr lang="pt-BR" dirty="0"/>
           </a:p>
         </p:txBody>
       </p:sp>
-      <p:pic>
-        <p:nvPicPr>
-          <p:cNvPr id="5124" name="Picture 4">
-            <a:extLst>
-              <a:ext uri="{FF2B5EF4-FFF2-40B4-BE49-F238E27FC236}">
-                <a16:creationId xmlns:a16="http://schemas.microsoft.com/office/drawing/2014/main" id="{858C67DE-0BA2-387B-5446-B5FFAA7C91E5}"/>
-              </a:ext>
-            </a:extLst>
-          </p:cNvPr>
-          <p:cNvPicPr>
-            <a:picLocks noChangeAspect="1" noChangeArrowheads="1"/>
-          </p:cNvPicPr>
-          <p:nvPr/>
-        </p:nvPicPr>
-        <p:blipFill>
-          <a:blip r:embed="rId2">
-            <a:extLst>
-              <a:ext uri="{28A0092B-C50C-407E-A947-70E740481C1C}">
-                <a14:useLocalDpi xmlns:a14="http://schemas.microsoft.com/office/drawing/2010/main" val="0"/>
-              </a:ext>
-            </a:extLst>
-          </a:blip>
-          <a:srcRect/>
-          <a:stretch>
-            <a:fillRect/>
-          </a:stretch>
-        </p:blipFill>
-        <p:spPr bwMode="auto">
-          <a:xfrm>
-            <a:off x="7700682" y="4080623"/>
-            <a:ext cx="2510118" cy="1871942"/>
-          </a:xfrm>
-          <a:prstGeom prst="rect">
-            <a:avLst/>
-          </a:prstGeom>
-          <a:noFill/>
-          <a:extLst>
-            <a:ext uri="{909E8E84-426E-40DD-AFC4-6F175D3DCCD1}">
-              <a14:hiddenFill xmlns:a14="http://schemas.microsoft.com/office/drawing/2010/main">
-                <a:solidFill>
-                  <a:srgbClr val="FFFFFF"/>
-                </a:solidFill>
-              </a14:hiddenFill>
-            </a:ext>
-          </a:extLst>
-        </p:spPr>
-      </p:pic>
     </p:spTree>
     <p:extLst>
       <p:ext uri="{BB962C8B-B14F-4D97-AF65-F5344CB8AC3E}">
-        <p14:creationId xmlns:p14="http://schemas.microsoft.com/office/powerpoint/2010/main" val="3891159016"/>
+        <p14:creationId xmlns:p14="http://schemas.microsoft.com/office/powerpoint/2010/main" val="1238741159"/>
       </p:ext>
     </p:extLst>
   </p:cSld>
   <p:clrMapOvr>
     <a:masterClrMapping/>
   </p:clrMapOvr>
-  <mc:AlternateContent xmlns:mc="http://schemas.openxmlformats.org/markup-compatibility/2006">
-    <mc:Choice xmlns:p14="http://schemas.microsoft.com/office/powerpoint/2010/main" Requires="p14">
+  <mc:AlternateContent xmlns:mc="http://schemas.openxmlformats.org/markup-compatibility/2006" xmlns:p14="http://schemas.microsoft.com/office/powerpoint/2010/main">
+    <mc:Choice Requires="p14">
       <p:transition spd="slow" p14:dur="3400">
         <p14:reveal/>
       </p:transition>
     </mc:Choice>
-    <mc:Fallback>
+    <mc:Fallback xmlns="">
       <p:transition spd="slow">
         <p:fade/>
       </p:transition>
@@ -15175,7 +14591,7 @@
           <p:cNvPr id="2" name="Título 1">
             <a:extLst>
               <a:ext uri="{FF2B5EF4-FFF2-40B4-BE49-F238E27FC236}">
-                <a16:creationId xmlns:a16="http://schemas.microsoft.com/office/drawing/2014/main" id="{2E129B2E-1528-1159-7243-F0E1936A9913}"/>
+                <a16:creationId xmlns:a16="http://schemas.microsoft.com/office/drawing/2014/main" id="{AF1679C7-A4A5-8426-ADE7-A6FBB3E8BAB0}"/>
               </a:ext>
             </a:extLst>
           </p:cNvPr>
@@ -15188,38 +14604,14 @@
         </p:nvSpPr>
         <p:spPr/>
         <p:txBody>
-          <a:bodyPr>
-            <a:normAutofit fontScale="90000"/>
-          </a:bodyPr>
+          <a:bodyPr/>
           <a:lstStyle/>
           <a:p>
             <a:pPr algn="ctr"/>
             <a:r>
-              <a:rPr lang="pt-BR" b="1" i="0" u="none" strike="noStrike" dirty="0">
-                <a:solidFill>
-                  <a:srgbClr val="333333"/>
-                </a:solidFill>
-                <a:effectLst/>
-                <a:highlight>
-                  <a:srgbClr val="FFFFFF"/>
-                </a:highlight>
-                <a:latin typeface="roboto" panose="02000000000000000000" pitchFamily="2" charset="0"/>
-              </a:rPr>
-              <a:t> Responsabilização e Prestação de Contas</a:t>
+              <a:rPr lang="pt-BR" dirty="0"/>
+              <a:t>Necessidades dos dados na lgpd</a:t>
             </a:r>
-            <a:br>
-              <a:rPr lang="pt-BR" b="1" i="0" u="none" strike="noStrike" dirty="0">
-                <a:solidFill>
-                  <a:srgbClr val="333333"/>
-                </a:solidFill>
-                <a:effectLst/>
-                <a:highlight>
-                  <a:srgbClr val="FFFFFF"/>
-                </a:highlight>
-                <a:latin typeface="roboto" panose="02000000000000000000" pitchFamily="2" charset="0"/>
-              </a:rPr>
-            </a:br>
-            <a:endParaRPr lang="pt-BR" dirty="0"/>
           </a:p>
         </p:txBody>
       </p:sp>
@@ -15228,7 +14620,7 @@
           <p:cNvPr id="3" name="Espaço Reservado para Conteúdo 2">
             <a:extLst>
               <a:ext uri="{FF2B5EF4-FFF2-40B4-BE49-F238E27FC236}">
-                <a16:creationId xmlns:a16="http://schemas.microsoft.com/office/drawing/2014/main" id="{D815DE77-A5D6-D764-9335-827F742D73BA}"/>
+                <a16:creationId xmlns:a16="http://schemas.microsoft.com/office/drawing/2014/main" id="{9CA90767-95AC-764B-C019-F57C84079120}"/>
               </a:ext>
             </a:extLst>
           </p:cNvPr>
@@ -15239,169 +14631,35 @@
             <p:ph idx="1"/>
           </p:nvPr>
         </p:nvSpPr>
-        <p:spPr>
-          <a:xfrm>
-            <a:off x="1141412" y="2608729"/>
-            <a:ext cx="9905999" cy="3182471"/>
-          </a:xfrm>
-        </p:spPr>
+        <p:spPr/>
         <p:txBody>
           <a:bodyPr/>
           <a:lstStyle/>
           <a:p>
-            <a:pPr algn="just" fontAlgn="base"/>
             <a:r>
-              <a:rPr lang="pt-BR" sz="1400" b="0" i="0" dirty="0">
-                <a:solidFill>
-                  <a:srgbClr val="666666"/>
-                </a:solidFill>
-                <a:effectLst/>
-                <a:highlight>
-                  <a:srgbClr val="FFFFFF"/>
-                </a:highlight>
-                <a:latin typeface="open sans" panose="020B0606030504020204" pitchFamily="34" charset="0"/>
-              </a:rPr>
-              <a:t>A responsabilização e prestação de contas são estabelecidos no art. 6, inc. X da </a:t>
+              <a:rPr lang="pt-BR" dirty="0"/>
+              <a:t>Enquanto isso, a necessidade é definida como a limitação do tratamento ao mínimo necessário para a realização de suas finalidades, com abrangência dos dados pertinentes, proporcionais e não excessivos em relação às finalidades do tratamento de dados.</a:t>
             </a:r>
-            <a:r>
-              <a:rPr lang="pt-BR" sz="1400" b="0" i="0" u="none" strike="noStrike" dirty="0">
-                <a:solidFill>
-                  <a:srgbClr val="3FA9F5"/>
-                </a:solidFill>
-                <a:effectLst/>
-                <a:highlight>
-                  <a:srgbClr val="FFFFFF"/>
-                </a:highlight>
-                <a:latin typeface="open sans" panose="020B0606030504020204" pitchFamily="34" charset="0"/>
-                <a:hlinkClick r:id="rId2"/>
-              </a:rPr>
-              <a:t>LGPD</a:t>
-            </a:r>
-            <a:r>
-              <a:rPr lang="pt-BR" sz="1400" b="0" i="0" dirty="0">
-                <a:solidFill>
-                  <a:srgbClr val="666666"/>
-                </a:solidFill>
-                <a:effectLst/>
-                <a:highlight>
-                  <a:srgbClr val="FFFFFF"/>
-                </a:highlight>
-                <a:latin typeface="open sans" panose="020B0606030504020204" pitchFamily="34" charset="0"/>
-              </a:rPr>
-              <a:t>  com o seguinte objetivo:</a:t>
-            </a:r>
-          </a:p>
-          <a:p>
-            <a:pPr algn="just" fontAlgn="base"/>
-            <a:r>
-              <a:rPr lang="pt-BR" sz="1400" b="1" i="1" dirty="0">
-                <a:solidFill>
-                  <a:srgbClr val="666666"/>
-                </a:solidFill>
-                <a:effectLst/>
-                <a:highlight>
-                  <a:srgbClr val="FFFFFF"/>
-                </a:highlight>
-                <a:latin typeface="open sans" panose="020B0606030504020204" pitchFamily="34" charset="0"/>
-              </a:rPr>
-              <a:t>Tornar obrigatória a demonstração, pelo agente, da adoção de medidas eficazes e capazes de comprovar a observância e o cumprimento das normas de proteção de dados pessoais e, inclusive, da eficácia dessas medidas.</a:t>
-            </a:r>
-            <a:endParaRPr lang="pt-BR" sz="1400" b="0" i="0" dirty="0">
-              <a:solidFill>
-                <a:srgbClr val="666666"/>
-              </a:solidFill>
-              <a:effectLst/>
-              <a:highlight>
-                <a:srgbClr val="FFFFFF"/>
-              </a:highlight>
-              <a:latin typeface="open sans" panose="020B0606030504020204" pitchFamily="34" charset="0"/>
-            </a:endParaRPr>
-          </a:p>
-          <a:p>
-            <a:pPr algn="just"/>
-            <a:r>
-              <a:rPr lang="pt-BR" sz="1400" b="0" i="0" dirty="0">
-                <a:solidFill>
-                  <a:srgbClr val="666666"/>
-                </a:solidFill>
-                <a:effectLst/>
-                <a:highlight>
-                  <a:srgbClr val="FFFFFF"/>
-                </a:highlight>
-                <a:latin typeface="open sans" panose="020B0606030504020204" pitchFamily="34" charset="0"/>
-              </a:rPr>
-              <a:t>A concretização da prestação de contas se dá na obrigatoriedade de entrega de relatório à ANPD e, também, deve estar claro para o usuário que seus dados estão bem protegidos.</a:t>
-            </a:r>
-          </a:p>
-          <a:p>
-            <a:endParaRPr lang="pt-BR" sz="1400" dirty="0"/>
           </a:p>
         </p:txBody>
       </p:sp>
-      <p:pic>
-        <p:nvPicPr>
-          <p:cNvPr id="3074" name="Picture 2">
-            <a:extLst>
-              <a:ext uri="{FF2B5EF4-FFF2-40B4-BE49-F238E27FC236}">
-                <a16:creationId xmlns:a16="http://schemas.microsoft.com/office/drawing/2014/main" id="{94356E61-FEA0-DACB-3C36-32688588B845}"/>
-              </a:ext>
-            </a:extLst>
-          </p:cNvPr>
-          <p:cNvPicPr>
-            <a:picLocks noChangeAspect="1" noChangeArrowheads="1"/>
-          </p:cNvPicPr>
-          <p:nvPr/>
-        </p:nvPicPr>
-        <p:blipFill>
-          <a:blip r:embed="rId3">
-            <a:extLst>
-              <a:ext uri="{28A0092B-C50C-407E-A947-70E740481C1C}">
-                <a14:useLocalDpi xmlns:a14="http://schemas.microsoft.com/office/drawing/2010/main" val="0"/>
-              </a:ext>
-            </a:extLst>
-          </a:blip>
-          <a:srcRect/>
-          <a:stretch>
-            <a:fillRect/>
-          </a:stretch>
-        </p:blipFill>
-        <p:spPr bwMode="auto">
-          <a:xfrm>
-            <a:off x="8023412" y="4307541"/>
-            <a:ext cx="2432144" cy="2259107"/>
-          </a:xfrm>
-          <a:prstGeom prst="rect">
-            <a:avLst/>
-          </a:prstGeom>
-          <a:noFill/>
-          <a:extLst>
-            <a:ext uri="{909E8E84-426E-40DD-AFC4-6F175D3DCCD1}">
-              <a14:hiddenFill xmlns:a14="http://schemas.microsoft.com/office/drawing/2010/main">
-                <a:solidFill>
-                  <a:srgbClr val="FFFFFF"/>
-                </a:solidFill>
-              </a14:hiddenFill>
-            </a:ext>
-          </a:extLst>
-        </p:spPr>
-      </p:pic>
     </p:spTree>
     <p:extLst>
       <p:ext uri="{BB962C8B-B14F-4D97-AF65-F5344CB8AC3E}">
-        <p14:creationId xmlns:p14="http://schemas.microsoft.com/office/powerpoint/2010/main" val="4115696212"/>
+        <p14:creationId xmlns:p14="http://schemas.microsoft.com/office/powerpoint/2010/main" val="1562957082"/>
       </p:ext>
     </p:extLst>
   </p:cSld>
   <p:clrMapOvr>
     <a:masterClrMapping/>
   </p:clrMapOvr>
-  <mc:AlternateContent xmlns:mc="http://schemas.openxmlformats.org/markup-compatibility/2006">
-    <mc:Choice xmlns:p14="http://schemas.microsoft.com/office/powerpoint/2010/main" Requires="p14">
+  <mc:AlternateContent xmlns:mc="http://schemas.openxmlformats.org/markup-compatibility/2006" xmlns:p14="http://schemas.microsoft.com/office/powerpoint/2010/main">
+    <mc:Choice Requires="p14">
       <p:transition spd="slow" p14:dur="3400">
         <p14:reveal/>
       </p:transition>
     </mc:Choice>
-    <mc:Fallback>
+    <mc:Fallback xmlns="">
       <p:transition spd="slow">
         <p:fade/>
       </p:transition>
